--- a/App móvil informativa.pptx
+++ b/App móvil informativa.pptx
@@ -5,10 +5,10 @@
     <p:sldMasterId id="2147483648" r:id="rId1"/>
   </p:sldMasterIdLst>
   <p:notesMasterIdLst>
-    <p:notesMasterId r:id="rId9"/>
+    <p:notesMasterId r:id="rId10"/>
   </p:notesMasterIdLst>
   <p:handoutMasterIdLst>
-    <p:handoutMasterId r:id="rId10"/>
+    <p:handoutMasterId r:id="rId11"/>
   </p:handoutMasterIdLst>
   <p:sldIdLst>
     <p:sldId id="256" r:id="rId2"/>
@@ -16,8 +16,9 @@
     <p:sldId id="258" r:id="rId4"/>
     <p:sldId id="259" r:id="rId5"/>
     <p:sldId id="266" r:id="rId6"/>
-    <p:sldId id="264" r:id="rId7"/>
-    <p:sldId id="265" r:id="rId8"/>
+    <p:sldId id="267" r:id="rId7"/>
+    <p:sldId id="264" r:id="rId8"/>
+    <p:sldId id="265" r:id="rId9"/>
   </p:sldIdLst>
   <p:sldSz cx="9144000" cy="6858000" type="screen4x3"/>
   <p:notesSz cx="6858000" cy="9144000"/>
@@ -1625,13 +1626,16 @@
         <a:p>
           <a:pPr rtl="0"/>
           <a:r>
-            <a:rPr lang="es-ES" sz="1800" b="1" noProof="0" smtClean="0">
+            <a:rPr lang="es-ES" sz="1800" b="1" noProof="0" dirty="0" smtClean="0">
+              <a:latin typeface="Georgia" panose="02040502050405020303" pitchFamily="18" charset="0"/>
               <a:ea typeface="+mn-ea"/>
               <a:cs typeface="+mn-cs"/>
             </a:rPr>
             <a:t>Lenguajes  de Programación</a:t>
           </a:r>
-          <a:endParaRPr lang="es-ES" sz="1800" b="1" noProof="0" dirty="0"/>
+          <a:endParaRPr lang="es-ES" sz="1800" b="1" noProof="0" dirty="0">
+            <a:latin typeface="Georgia" panose="02040502050405020303" pitchFamily="18" charset="0"/>
+          </a:endParaRPr>
         </a:p>
       </dgm:t>
     </dgm:pt>
@@ -1643,7 +1647,9 @@
         <a:lstStyle/>
         <a:p>
           <a:pPr rtl="0"/>
-          <a:endParaRPr lang="es-ES" sz="1200" noProof="0" dirty="0"/>
+          <a:endParaRPr lang="es-ES" sz="1200" noProof="0" dirty="0">
+            <a:latin typeface="Georgia" panose="02040502050405020303" pitchFamily="18" charset="0"/>
+          </a:endParaRPr>
         </a:p>
       </dgm:t>
     </dgm:pt>
@@ -1655,7 +1661,9 @@
         <a:lstStyle/>
         <a:p>
           <a:pPr rtl="0"/>
-          <a:endParaRPr lang="es-ES" sz="1200" noProof="0" dirty="0"/>
+          <a:endParaRPr lang="es-ES" sz="1200" noProof="0" dirty="0">
+            <a:latin typeface="Georgia" panose="02040502050405020303" pitchFamily="18" charset="0"/>
+          </a:endParaRPr>
         </a:p>
       </dgm:t>
     </dgm:pt>
@@ -1668,17 +1676,30 @@
         <a:p>
           <a:pPr rtl="0"/>
           <a:r>
-            <a:rPr lang="es-ES" sz="1600" noProof="0" smtClean="0">
+            <a:rPr lang="es-ES" sz="1600" b="1" noProof="0" dirty="0" err="1" smtClean="0">
+              <a:latin typeface="Georgia" panose="02040502050405020303" pitchFamily="18" charset="0"/>
               <a:ea typeface="+mn-ea"/>
               <a:cs typeface="+mn-cs"/>
             </a:rPr>
-            <a:t>Go: </a:t>
+            <a:t>Go</a:t>
           </a:r>
           <a:r>
-            <a:rPr lang="es-CO" sz="1600" smtClean="0"/>
+            <a:rPr lang="es-ES" sz="1600" b="1" noProof="0" dirty="0" smtClean="0">
+              <a:latin typeface="Georgia" panose="02040502050405020303" pitchFamily="18" charset="0"/>
+              <a:ea typeface="+mn-ea"/>
+              <a:cs typeface="+mn-cs"/>
+            </a:rPr>
+            <a:t>: </a:t>
+          </a:r>
+          <a:r>
+            <a:rPr lang="es-CO" sz="1600" dirty="0" smtClean="0">
+              <a:latin typeface="Georgia" panose="02040502050405020303" pitchFamily="18" charset="0"/>
+            </a:rPr>
             <a:t>manejo de servidor web </a:t>
           </a:r>
-          <a:endParaRPr lang="es-ES" sz="1600" noProof="0" dirty="0"/>
+          <a:endParaRPr lang="es-ES" sz="1600" noProof="0" dirty="0">
+            <a:latin typeface="Georgia" panose="02040502050405020303" pitchFamily="18" charset="0"/>
+          </a:endParaRPr>
         </a:p>
       </dgm:t>
     </dgm:pt>
@@ -1690,7 +1711,9 @@
         <a:lstStyle/>
         <a:p>
           <a:pPr rtl="0"/>
-          <a:endParaRPr lang="es-ES" sz="1200" noProof="0" dirty="0"/>
+          <a:endParaRPr lang="es-ES" sz="1200" noProof="0" dirty="0">
+            <a:latin typeface="Georgia" panose="02040502050405020303" pitchFamily="18" charset="0"/>
+          </a:endParaRPr>
         </a:p>
       </dgm:t>
     </dgm:pt>
@@ -1702,7 +1725,9 @@
         <a:lstStyle/>
         <a:p>
           <a:pPr rtl="0"/>
-          <a:endParaRPr lang="es-ES" sz="1200" noProof="0" dirty="0"/>
+          <a:endParaRPr lang="es-ES" sz="1200" noProof="0" dirty="0">
+            <a:latin typeface="Georgia" panose="02040502050405020303" pitchFamily="18" charset="0"/>
+          </a:endParaRPr>
         </a:p>
       </dgm:t>
     </dgm:pt>
@@ -1716,12 +1741,15 @@
           <a:pPr rtl="0"/>
           <a:r>
             <a:rPr lang="es-ES" sz="1800" b="1" noProof="0" dirty="0" smtClean="0">
+              <a:latin typeface="Georgia" panose="02040502050405020303" pitchFamily="18" charset="0"/>
               <a:ea typeface="+mn-ea"/>
               <a:cs typeface="+mn-cs"/>
             </a:rPr>
             <a:t>IDE</a:t>
           </a:r>
-          <a:endParaRPr lang="es-ES" sz="1800" b="1" noProof="0" dirty="0"/>
+          <a:endParaRPr lang="es-ES" sz="1800" b="1" noProof="0" dirty="0">
+            <a:latin typeface="Georgia" panose="02040502050405020303" pitchFamily="18" charset="0"/>
+          </a:endParaRPr>
         </a:p>
       </dgm:t>
     </dgm:pt>
@@ -1733,7 +1761,9 @@
         <a:lstStyle/>
         <a:p>
           <a:pPr rtl="0"/>
-          <a:endParaRPr lang="es-ES" sz="1200" noProof="0" dirty="0"/>
+          <a:endParaRPr lang="es-ES" sz="1200" noProof="0" dirty="0">
+            <a:latin typeface="Georgia" panose="02040502050405020303" pitchFamily="18" charset="0"/>
+          </a:endParaRPr>
         </a:p>
       </dgm:t>
     </dgm:pt>
@@ -1745,7 +1775,9 @@
         <a:lstStyle/>
         <a:p>
           <a:pPr rtl="0"/>
-          <a:endParaRPr lang="es-ES" sz="1200" noProof="0" dirty="0"/>
+          <a:endParaRPr lang="es-ES" sz="1200" noProof="0" dirty="0">
+            <a:latin typeface="Georgia" panose="02040502050405020303" pitchFamily="18" charset="0"/>
+          </a:endParaRPr>
         </a:p>
       </dgm:t>
     </dgm:pt>
@@ -1758,27 +1790,40 @@
         <a:p>
           <a:pPr rtl="0"/>
           <a:r>
-            <a:rPr lang="es-ES" sz="1600" noProof="0" dirty="0" smtClean="0">
+            <a:rPr lang="es-ES" sz="1600" b="1" noProof="0" dirty="0" smtClean="0">
+              <a:latin typeface="Georgia" panose="02040502050405020303" pitchFamily="18" charset="0"/>
               <a:ea typeface="+mn-ea"/>
               <a:cs typeface="+mn-cs"/>
             </a:rPr>
             <a:t>Android </a:t>
           </a:r>
           <a:r>
-            <a:rPr lang="es-ES" sz="1600" noProof="0" dirty="0" err="1" smtClean="0">
+            <a:rPr lang="es-ES" sz="1600" b="1" noProof="0" dirty="0" err="1" smtClean="0">
+              <a:latin typeface="Georgia" panose="02040502050405020303" pitchFamily="18" charset="0"/>
               <a:ea typeface="+mn-ea"/>
               <a:cs typeface="+mn-cs"/>
             </a:rPr>
             <a:t>Studios</a:t>
           </a:r>
           <a:r>
-            <a:rPr lang="es-ES" sz="1600" noProof="0" dirty="0" smtClean="0">
+            <a:rPr lang="es-ES" sz="1600" b="1" noProof="0" dirty="0" smtClean="0">
+              <a:latin typeface="Georgia" panose="02040502050405020303" pitchFamily="18" charset="0"/>
               <a:ea typeface="+mn-ea"/>
               <a:cs typeface="+mn-cs"/>
             </a:rPr>
-            <a:t>: creación de la aplicación móvil</a:t>
+            <a:t>: </a:t>
           </a:r>
-          <a:endParaRPr lang="es-ES" sz="1600" noProof="0" dirty="0"/>
+          <a:r>
+            <a:rPr lang="es-ES" sz="1600" noProof="0" dirty="0" smtClean="0">
+              <a:latin typeface="Georgia" panose="02040502050405020303" pitchFamily="18" charset="0"/>
+              <a:ea typeface="+mn-ea"/>
+              <a:cs typeface="+mn-cs"/>
+            </a:rPr>
+            <a:t>creación de la aplicación móvil</a:t>
+          </a:r>
+          <a:endParaRPr lang="es-ES" sz="1600" noProof="0" dirty="0">
+            <a:latin typeface="Georgia" panose="02040502050405020303" pitchFamily="18" charset="0"/>
+          </a:endParaRPr>
         </a:p>
       </dgm:t>
     </dgm:pt>
@@ -1790,7 +1835,9 @@
         <a:lstStyle/>
         <a:p>
           <a:pPr rtl="0"/>
-          <a:endParaRPr lang="es-ES" sz="1200" noProof="0" dirty="0"/>
+          <a:endParaRPr lang="es-ES" sz="1200" noProof="0" dirty="0">
+            <a:latin typeface="Georgia" panose="02040502050405020303" pitchFamily="18" charset="0"/>
+          </a:endParaRPr>
         </a:p>
       </dgm:t>
     </dgm:pt>
@@ -1802,7 +1849,9 @@
         <a:lstStyle/>
         <a:p>
           <a:pPr rtl="0"/>
-          <a:endParaRPr lang="es-ES" sz="1200" noProof="0" dirty="0"/>
+          <a:endParaRPr lang="es-ES" sz="1200" noProof="0" dirty="0">
+            <a:latin typeface="Georgia" panose="02040502050405020303" pitchFamily="18" charset="0"/>
+          </a:endParaRPr>
         </a:p>
       </dgm:t>
     </dgm:pt>
@@ -1815,14 +1864,32 @@
         <a:p>
           <a:pPr rtl="0"/>
           <a:r>
-            <a:rPr lang="es-ES" sz="1600" noProof="0" smtClean="0"/>
-            <a:t>Koklin:</a:t>
+            <a:rPr lang="es-ES" sz="1600" b="1" noProof="0" dirty="0" err="1" smtClean="0">
+              <a:latin typeface="Georgia" panose="02040502050405020303" pitchFamily="18" charset="0"/>
+            </a:rPr>
+            <a:t>Koklin</a:t>
           </a:r>
           <a:r>
-            <a:rPr lang="es-EC" sz="1600" noProof="0" smtClean="0"/>
-            <a:t> manejo de aplicación móvil </a:t>
+            <a:rPr lang="es-ES" sz="1600" b="1" noProof="0" dirty="0" smtClean="0">
+              <a:latin typeface="Georgia" panose="02040502050405020303" pitchFamily="18" charset="0"/>
+            </a:rPr>
+            <a:t>:</a:t>
           </a:r>
-          <a:endParaRPr lang="es-ES" sz="1600" noProof="0" dirty="0"/>
+          <a:r>
+            <a:rPr lang="es-EC" sz="1600" b="1" noProof="0" dirty="0" smtClean="0">
+              <a:latin typeface="Georgia" panose="02040502050405020303" pitchFamily="18" charset="0"/>
+            </a:rPr>
+            <a:t> </a:t>
+          </a:r>
+          <a:r>
+            <a:rPr lang="es-EC" sz="1600" noProof="0" dirty="0" smtClean="0">
+              <a:latin typeface="Georgia" panose="02040502050405020303" pitchFamily="18" charset="0"/>
+            </a:rPr>
+            <a:t>manejo de aplicación móvil </a:t>
+          </a:r>
+          <a:endParaRPr lang="es-ES" sz="1600" noProof="0" dirty="0">
+            <a:latin typeface="Georgia" panose="02040502050405020303" pitchFamily="18" charset="0"/>
+          </a:endParaRPr>
         </a:p>
       </dgm:t>
     </dgm:pt>
@@ -1833,7 +1900,9 @@
         <a:bodyPr/>
         <a:lstStyle/>
         <a:p>
-          <a:endParaRPr lang="es-EC"/>
+          <a:endParaRPr lang="es-EC">
+            <a:latin typeface="Georgia" panose="02040502050405020303" pitchFamily="18" charset="0"/>
+          </a:endParaRPr>
         </a:p>
       </dgm:t>
     </dgm:pt>
@@ -1844,7 +1913,9 @@
         <a:bodyPr/>
         <a:lstStyle/>
         <a:p>
-          <a:endParaRPr lang="es-EC"/>
+          <a:endParaRPr lang="es-EC">
+            <a:latin typeface="Georgia" panose="02040502050405020303" pitchFamily="18" charset="0"/>
+          </a:endParaRPr>
         </a:p>
       </dgm:t>
     </dgm:pt>
@@ -1861,6 +1932,7 @@
               <a:solidFill>
                 <a:schemeClr val="bg2"/>
               </a:solidFill>
+              <a:latin typeface="Georgia" panose="02040502050405020303" pitchFamily="18" charset="0"/>
             </a:rPr>
             <a:t>Gestor de Base de datos</a:t>
           </a:r>
@@ -1868,6 +1940,7 @@
             <a:solidFill>
               <a:schemeClr val="bg2"/>
             </a:solidFill>
+            <a:latin typeface="Georgia" panose="02040502050405020303" pitchFamily="18" charset="0"/>
           </a:endParaRPr>
         </a:p>
       </dgm:t>
@@ -1879,7 +1952,9 @@
         <a:bodyPr/>
         <a:lstStyle/>
         <a:p>
-          <a:endParaRPr lang="es-EC"/>
+          <a:endParaRPr lang="es-EC">
+            <a:latin typeface="Georgia" panose="02040502050405020303" pitchFamily="18" charset="0"/>
+          </a:endParaRPr>
         </a:p>
       </dgm:t>
     </dgm:pt>
@@ -1890,7 +1965,9 @@
         <a:bodyPr/>
         <a:lstStyle/>
         <a:p>
-          <a:endParaRPr lang="es-EC"/>
+          <a:endParaRPr lang="es-EC">
+            <a:latin typeface="Georgia" panose="02040502050405020303" pitchFamily="18" charset="0"/>
+          </a:endParaRPr>
         </a:p>
       </dgm:t>
     </dgm:pt>
@@ -1903,26 +1980,29 @@
         <a:p>
           <a:pPr rtl="0"/>
           <a:r>
-            <a:rPr lang="es-EC" sz="1600" noProof="0" dirty="0" err="1" smtClean="0">
+            <a:rPr lang="es-EC" sz="1600" b="1" i="0" noProof="0" dirty="0" err="1" smtClean="0">
               <a:solidFill>
                 <a:schemeClr val="bg2"/>
               </a:solidFill>
+              <a:latin typeface="Georgia" panose="02040502050405020303" pitchFamily="18" charset="0"/>
             </a:rPr>
             <a:t>MySQL</a:t>
           </a:r>
           <a:r>
-            <a:rPr lang="es-EC" sz="1600" noProof="0" dirty="0" smtClean="0">
+            <a:rPr lang="es-EC" sz="1600" b="1" i="0" noProof="0" dirty="0" smtClean="0">
               <a:solidFill>
                 <a:schemeClr val="bg2"/>
               </a:solidFill>
+              <a:latin typeface="Georgia" panose="02040502050405020303" pitchFamily="18" charset="0"/>
             </a:rPr>
-            <a:t> : </a:t>
+            <a:t>: </a:t>
           </a:r>
           <a:r>
             <a:rPr lang="es-EC" sz="1600" noProof="0" dirty="0" err="1" smtClean="0">
               <a:solidFill>
                 <a:schemeClr val="bg2"/>
               </a:solidFill>
+              <a:latin typeface="Georgia" panose="02040502050405020303" pitchFamily="18" charset="0"/>
             </a:rPr>
             <a:t>gestionamiento</a:t>
           </a:r>
@@ -1931,6 +2011,7 @@
               <a:solidFill>
                 <a:schemeClr val="bg2"/>
               </a:solidFill>
+              <a:latin typeface="Georgia" panose="02040502050405020303" pitchFamily="18" charset="0"/>
             </a:rPr>
             <a:t> de información </a:t>
           </a:r>
@@ -1938,6 +2019,7 @@
             <a:solidFill>
               <a:schemeClr val="bg2"/>
             </a:solidFill>
+            <a:latin typeface="Georgia" panose="02040502050405020303" pitchFamily="18" charset="0"/>
           </a:endParaRPr>
         </a:p>
       </dgm:t>
@@ -1949,7 +2031,9 @@
         <a:bodyPr/>
         <a:lstStyle/>
         <a:p>
-          <a:endParaRPr lang="es-EC"/>
+          <a:endParaRPr lang="es-EC">
+            <a:latin typeface="Georgia" panose="02040502050405020303" pitchFamily="18" charset="0"/>
+          </a:endParaRPr>
         </a:p>
       </dgm:t>
     </dgm:pt>
@@ -1960,7 +2044,9 @@
         <a:bodyPr/>
         <a:lstStyle/>
         <a:p>
-          <a:endParaRPr lang="es-EC"/>
+          <a:endParaRPr lang="es-EC">
+            <a:latin typeface="Georgia" panose="02040502050405020303" pitchFamily="18" charset="0"/>
+          </a:endParaRPr>
         </a:p>
       </dgm:t>
     </dgm:pt>
@@ -1972,7 +2058,9 @@
         <a:lstStyle/>
         <a:p>
           <a:pPr rtl="0"/>
-          <a:endParaRPr lang="es-ES" sz="1600" noProof="0" dirty="0"/>
+          <a:endParaRPr lang="es-ES" sz="1600" noProof="0" dirty="0">
+            <a:latin typeface="Georgia" panose="02040502050405020303" pitchFamily="18" charset="0"/>
+          </a:endParaRPr>
         </a:p>
       </dgm:t>
     </dgm:pt>
@@ -1983,7 +2071,9 @@
         <a:bodyPr/>
         <a:lstStyle/>
         <a:p>
-          <a:endParaRPr lang="es-EC"/>
+          <a:endParaRPr lang="es-EC">
+            <a:latin typeface="Georgia" panose="02040502050405020303" pitchFamily="18" charset="0"/>
+          </a:endParaRPr>
         </a:p>
       </dgm:t>
     </dgm:pt>
@@ -1994,7 +2084,9 @@
         <a:bodyPr/>
         <a:lstStyle/>
         <a:p>
-          <a:endParaRPr lang="es-EC"/>
+          <a:endParaRPr lang="es-EC">
+            <a:latin typeface="Georgia" panose="02040502050405020303" pitchFamily="18" charset="0"/>
+          </a:endParaRPr>
         </a:p>
       </dgm:t>
     </dgm:pt>
@@ -2010,6 +2102,7 @@
             <a:solidFill>
               <a:schemeClr val="bg2"/>
             </a:solidFill>
+            <a:latin typeface="Georgia" panose="02040502050405020303" pitchFamily="18" charset="0"/>
           </a:endParaRPr>
         </a:p>
       </dgm:t>
@@ -2021,7 +2114,9 @@
         <a:bodyPr/>
         <a:lstStyle/>
         <a:p>
-          <a:endParaRPr lang="es-EC"/>
+          <a:endParaRPr lang="es-EC">
+            <a:latin typeface="Georgia" panose="02040502050405020303" pitchFamily="18" charset="0"/>
+          </a:endParaRPr>
         </a:p>
       </dgm:t>
     </dgm:pt>
@@ -2032,7 +2127,9 @@
         <a:bodyPr/>
         <a:lstStyle/>
         <a:p>
-          <a:endParaRPr lang="es-EC"/>
+          <a:endParaRPr lang="es-EC">
+            <a:latin typeface="Georgia" panose="02040502050405020303" pitchFamily="18" charset="0"/>
+          </a:endParaRPr>
         </a:p>
       </dgm:t>
     </dgm:pt>
@@ -2186,7 +2283,7 @@
       </dgm:t>
     </dgm:pt>
     <dgm:pt modelId="{EA904451-CA9C-48CF-A3F7-6C4003934218}" type="pres">
-      <dgm:prSet presAssocID="{9270810E-5EDA-493C-94A3-CD56D6BDC201}" presName="childText" presStyleLbl="conFgAcc1" presStyleIdx="1" presStyleCnt="3" custScaleX="98136" custScaleY="66635">
+      <dgm:prSet presAssocID="{9270810E-5EDA-493C-94A3-CD56D6BDC201}" presName="childText" presStyleLbl="conFgAcc1" presStyleIdx="1" presStyleCnt="3" custScaleX="97515" custScaleY="72578">
         <dgm:presLayoutVars>
           <dgm:bulletEnabled val="1"/>
         </dgm:presLayoutVars>
@@ -2261,7 +2358,7 @@
       </dgm:t>
     </dgm:pt>
     <dgm:pt modelId="{7630C2B3-673B-4575-A821-926A4B23E3E7}" type="pres">
-      <dgm:prSet presAssocID="{4E1BA6A8-874F-4D42-8EE4-BEDE9BFAF8D7}" presName="childText" presStyleLbl="conFgAcc1" presStyleIdx="2" presStyleCnt="3" custScaleX="98136">
+      <dgm:prSet presAssocID="{4E1BA6A8-874F-4D42-8EE4-BEDE9BFAF8D7}" presName="childText" presStyleLbl="conFgAcc1" presStyleIdx="2" presStyleCnt="3" custScaleX="97515">
         <dgm:presLayoutVars>
           <dgm:bulletEnabled val="1"/>
         </dgm:presLayoutVars>
@@ -2277,28 +2374,28 @@
     </dgm:pt>
   </dgm:ptLst>
   <dgm:cxnLst>
-    <dgm:cxn modelId="{DEBBD8D0-2E9D-4874-82AF-DAB849B5637B}" type="presOf" srcId="{08D9C0F8-DB2B-4432-9934-29D200A6BAA6}" destId="{7630C2B3-673B-4575-A821-926A4B23E3E7}" srcOrd="0" destOrd="1" presId="urn:microsoft.com/office/officeart/2005/8/layout/list1"/>
+    <dgm:cxn modelId="{60D789E2-7A32-4437-8E2C-8B560B3784C0}" srcId="{96F225B3-2268-4CB1-9A6D-DD3D78235A90}" destId="{73381DCD-C269-4E6D-9AFB-BECEE2749D18}" srcOrd="0" destOrd="0" parTransId="{720D56F4-65FC-4CDA-8B3B-12DC7D227BE8}" sibTransId="{85349A43-5576-44C6-8D13-62F2BF5EFAFB}"/>
+    <dgm:cxn modelId="{886F7C7A-EE59-4B3A-8ACB-398D903D4FC7}" srcId="{9270810E-5EDA-493C-94A3-CD56D6BDC201}" destId="{D8CF02C7-4C9F-4849-A0FC-7F17E31A3984}" srcOrd="0" destOrd="0" parTransId="{18ED7328-25DD-4492-8C09-C027BCD0EF8C}" sibTransId="{D0FA0AEF-BE1B-477A-A4D4-488B6ED7F4A6}"/>
+    <dgm:cxn modelId="{06648C68-17D5-4856-978E-753512428FD8}" type="presOf" srcId="{73381DCD-C269-4E6D-9AFB-BECEE2749D18}" destId="{D96AA0FF-3772-4C88-B9D9-D7702591B9A7}" srcOrd="0" destOrd="0" presId="urn:microsoft.com/office/officeart/2005/8/layout/list1"/>
+    <dgm:cxn modelId="{F168FAFD-A6F3-41C7-930D-82C05955B390}" srcId="{4E1BA6A8-874F-4D42-8EE4-BEDE9BFAF8D7}" destId="{08D9C0F8-DB2B-4432-9934-29D200A6BAA6}" srcOrd="1" destOrd="0" parTransId="{E6662C70-F6B7-4468-BB39-0B7AEF02261F}" sibTransId="{22E11AB7-F67B-42AA-B119-4B242BB7BBBC}"/>
+    <dgm:cxn modelId="{11372704-B690-41FE-848B-E89B682E5255}" type="presOf" srcId="{4E1BA6A8-874F-4D42-8EE4-BEDE9BFAF8D7}" destId="{C9107249-F7F2-4AAA-A588-16F9A205E919}" srcOrd="0" destOrd="0" presId="urn:microsoft.com/office/officeart/2005/8/layout/list1"/>
+    <dgm:cxn modelId="{606D715F-4BB7-40D4-B96D-3A1EE6FD1F64}" srcId="{9270810E-5EDA-493C-94A3-CD56D6BDC201}" destId="{6A69E878-6E4C-4840-B8F1-E395DA9854AF}" srcOrd="1" destOrd="0" parTransId="{E57BA40C-1429-48A7-B536-012502266669}" sibTransId="{29EBC539-22E0-4AC6-97FB-361BDF867572}"/>
     <dgm:cxn modelId="{616C70F1-8BA4-4C0E-990C-C3BF82050C4B}" type="presOf" srcId="{D8CF02C7-4C9F-4849-A0FC-7F17E31A3984}" destId="{EA904451-CA9C-48CF-A3F7-6C4003934218}" srcOrd="0" destOrd="0" presId="urn:microsoft.com/office/officeart/2005/8/layout/list1"/>
-    <dgm:cxn modelId="{64ADF198-D21B-4827-A5CE-B8972422049E}" type="presOf" srcId="{9270810E-5EDA-493C-94A3-CD56D6BDC201}" destId="{1A4914B0-4ADB-4422-A669-ADF399C2B1C5}" srcOrd="0" destOrd="0" presId="urn:microsoft.com/office/officeart/2005/8/layout/list1"/>
-    <dgm:cxn modelId="{F168FAFD-A6F3-41C7-930D-82C05955B390}" srcId="{4E1BA6A8-874F-4D42-8EE4-BEDE9BFAF8D7}" destId="{08D9C0F8-DB2B-4432-9934-29D200A6BAA6}" srcOrd="1" destOrd="0" parTransId="{E6662C70-F6B7-4468-BB39-0B7AEF02261F}" sibTransId="{22E11AB7-F67B-42AA-B119-4B242BB7BBBC}"/>
-    <dgm:cxn modelId="{17855CDE-C322-40D6-AB74-E841A2FF35A5}" type="presOf" srcId="{FBB55118-6D2F-4A87-8960-8E8554D0AB29}" destId="{D96AA0FF-3772-4C88-B9D9-D7702591B9A7}" srcOrd="0" destOrd="1" presId="urn:microsoft.com/office/officeart/2005/8/layout/list1"/>
+    <dgm:cxn modelId="{F7EA77E1-FDB7-4D5D-BCAF-1E12512C1E86}" type="presOf" srcId="{96F225B3-2268-4CB1-9A6D-DD3D78235A90}" destId="{8B3DCA86-CC99-48ED-8764-6E81C7AE6BE9}" srcOrd="1" destOrd="0" presId="urn:microsoft.com/office/officeart/2005/8/layout/list1"/>
+    <dgm:cxn modelId="{93CF19FA-4ED5-4B00-B0F2-F7ABADC65C44}" srcId="{96F225B3-2268-4CB1-9A6D-DD3D78235A90}" destId="{FBB55118-6D2F-4A87-8960-8E8554D0AB29}" srcOrd="1" destOrd="0" parTransId="{1C9530EA-B548-4255-AD63-9251A0DD21D4}" sibTransId="{1F8B78B9-91DF-4A64-90B0-46E55B1F62F0}"/>
     <dgm:cxn modelId="{6D673346-6ECA-4422-95A7-26EBB2249461}" type="presOf" srcId="{6A69E878-6E4C-4840-B8F1-E395DA9854AF}" destId="{EA904451-CA9C-48CF-A3F7-6C4003934218}" srcOrd="0" destOrd="1" presId="urn:microsoft.com/office/officeart/2005/8/layout/list1"/>
-    <dgm:cxn modelId="{06648C68-17D5-4856-978E-753512428FD8}" type="presOf" srcId="{73381DCD-C269-4E6D-9AFB-BECEE2749D18}" destId="{D96AA0FF-3772-4C88-B9D9-D7702591B9A7}" srcOrd="0" destOrd="0" presId="urn:microsoft.com/office/officeart/2005/8/layout/list1"/>
-    <dgm:cxn modelId="{93CF19FA-4ED5-4B00-B0F2-F7ABADC65C44}" srcId="{96F225B3-2268-4CB1-9A6D-DD3D78235A90}" destId="{FBB55118-6D2F-4A87-8960-8E8554D0AB29}" srcOrd="1" destOrd="0" parTransId="{1C9530EA-B548-4255-AD63-9251A0DD21D4}" sibTransId="{1F8B78B9-91DF-4A64-90B0-46E55B1F62F0}"/>
-    <dgm:cxn modelId="{886F7C7A-EE59-4B3A-8ACB-398D903D4FC7}" srcId="{9270810E-5EDA-493C-94A3-CD56D6BDC201}" destId="{D8CF02C7-4C9F-4849-A0FC-7F17E31A3984}" srcOrd="0" destOrd="0" parTransId="{18ED7328-25DD-4492-8C09-C027BCD0EF8C}" sibTransId="{D0FA0AEF-BE1B-477A-A4D4-488B6ED7F4A6}"/>
-    <dgm:cxn modelId="{60D789E2-7A32-4437-8E2C-8B560B3784C0}" srcId="{96F225B3-2268-4CB1-9A6D-DD3D78235A90}" destId="{73381DCD-C269-4E6D-9AFB-BECEE2749D18}" srcOrd="0" destOrd="0" parTransId="{720D56F4-65FC-4CDA-8B3B-12DC7D227BE8}" sibTransId="{85349A43-5576-44C6-8D13-62F2BF5EFAFB}"/>
-    <dgm:cxn modelId="{667C7982-07DA-481C-9497-BB8D1BD54CE6}" srcId="{1E11E206-3F6C-4535-B4C2-1852A1175E7D}" destId="{96F225B3-2268-4CB1-9A6D-DD3D78235A90}" srcOrd="0" destOrd="0" parTransId="{BB73B217-FF8F-4C8F-8CD2-4750708F0382}" sibTransId="{F7D5E32B-2816-47FB-95E5-01C708BBC493}"/>
-    <dgm:cxn modelId="{9B25A52B-B8AC-48E3-A1F7-F6C056500B47}" srcId="{1E11E206-3F6C-4535-B4C2-1852A1175E7D}" destId="{4E1BA6A8-874F-4D42-8EE4-BEDE9BFAF8D7}" srcOrd="2" destOrd="0" parTransId="{A618356B-3C68-4DF4-856E-173179B7DB5A}" sibTransId="{049C09D5-5D54-487A-A1A6-D20BBBDC2835}"/>
-    <dgm:cxn modelId="{B716D298-B583-4D76-A329-12FE6E42B1A2}" type="presOf" srcId="{4E1BA6A8-874F-4D42-8EE4-BEDE9BFAF8D7}" destId="{F66833CB-D0B7-4CD9-8414-1E51896B9CEC}" srcOrd="1" destOrd="0" presId="urn:microsoft.com/office/officeart/2005/8/layout/list1"/>
-    <dgm:cxn modelId="{98E5AC7D-827F-4FB2-A78A-1018D4A6B493}" type="presOf" srcId="{1E11E206-3F6C-4535-B4C2-1852A1175E7D}" destId="{1A148C7C-2DF7-4A3E-8B60-CD1BB656DEB0}" srcOrd="0" destOrd="0" presId="urn:microsoft.com/office/officeart/2005/8/layout/list1"/>
-    <dgm:cxn modelId="{606D715F-4BB7-40D4-B96D-3A1EE6FD1F64}" srcId="{9270810E-5EDA-493C-94A3-CD56D6BDC201}" destId="{6A69E878-6E4C-4840-B8F1-E395DA9854AF}" srcOrd="1" destOrd="0" parTransId="{E57BA40C-1429-48A7-B536-012502266669}" sibTransId="{29EBC539-22E0-4AC6-97FB-361BDF867572}"/>
-    <dgm:cxn modelId="{16FB6CCA-CB32-45F7-9201-709782784D93}" type="presOf" srcId="{96F225B3-2268-4CB1-9A6D-DD3D78235A90}" destId="{626BC4C1-7783-44BE-91BE-44C956F5D34C}" srcOrd="0" destOrd="0" presId="urn:microsoft.com/office/officeart/2005/8/layout/list1"/>
-    <dgm:cxn modelId="{FDB70021-1166-434D-985E-ECB250AF01DF}" type="presOf" srcId="{9270810E-5EDA-493C-94A3-CD56D6BDC201}" destId="{388E0281-7FCC-4892-BD85-59C45354E9DA}" srcOrd="1" destOrd="0" presId="urn:microsoft.com/office/officeart/2005/8/layout/list1"/>
-    <dgm:cxn modelId="{11372704-B690-41FE-848B-E89B682E5255}" type="presOf" srcId="{4E1BA6A8-874F-4D42-8EE4-BEDE9BFAF8D7}" destId="{C9107249-F7F2-4AAA-A588-16F9A205E919}" srcOrd="0" destOrd="0" presId="urn:microsoft.com/office/officeart/2005/8/layout/list1"/>
-    <dgm:cxn modelId="{F7EA77E1-FDB7-4D5D-BCAF-1E12512C1E86}" type="presOf" srcId="{96F225B3-2268-4CB1-9A6D-DD3D78235A90}" destId="{8B3DCA86-CC99-48ED-8764-6E81C7AE6BE9}" srcOrd="1" destOrd="0" presId="urn:microsoft.com/office/officeart/2005/8/layout/list1"/>
-    <dgm:cxn modelId="{0F3AF5C8-73E5-48E0-9548-C64053F23822}" srcId="{4E1BA6A8-874F-4D42-8EE4-BEDE9BFAF8D7}" destId="{C0A8F5F9-00BD-41E9-B44A-7356D4039D7B}" srcOrd="0" destOrd="0" parTransId="{D9444177-D901-48A2-969A-C2A832A007C1}" sibTransId="{90980758-2FB5-425C-8392-69E5FA9E1490}"/>
     <dgm:cxn modelId="{304B3FEF-A04A-4EB6-B224-EBD06900C776}" srcId="{1E11E206-3F6C-4535-B4C2-1852A1175E7D}" destId="{9270810E-5EDA-493C-94A3-CD56D6BDC201}" srcOrd="1" destOrd="0" parTransId="{8AFFD4DB-1827-4550-B581-D6836D1A7B41}" sibTransId="{C6C5529E-8F47-4FCC-A5E6-616381E60A8A}"/>
     <dgm:cxn modelId="{D0171BC2-2B09-49ED-827D-476B847A4B32}" type="presOf" srcId="{C0A8F5F9-00BD-41E9-B44A-7356D4039D7B}" destId="{7630C2B3-673B-4575-A821-926A4B23E3E7}" srcOrd="0" destOrd="0" presId="urn:microsoft.com/office/officeart/2005/8/layout/list1"/>
+    <dgm:cxn modelId="{FDB70021-1166-434D-985E-ECB250AF01DF}" type="presOf" srcId="{9270810E-5EDA-493C-94A3-CD56D6BDC201}" destId="{388E0281-7FCC-4892-BD85-59C45354E9DA}" srcOrd="1" destOrd="0" presId="urn:microsoft.com/office/officeart/2005/8/layout/list1"/>
+    <dgm:cxn modelId="{B716D298-B583-4D76-A329-12FE6E42B1A2}" type="presOf" srcId="{4E1BA6A8-874F-4D42-8EE4-BEDE9BFAF8D7}" destId="{F66833CB-D0B7-4CD9-8414-1E51896B9CEC}" srcOrd="1" destOrd="0" presId="urn:microsoft.com/office/officeart/2005/8/layout/list1"/>
+    <dgm:cxn modelId="{64ADF198-D21B-4827-A5CE-B8972422049E}" type="presOf" srcId="{9270810E-5EDA-493C-94A3-CD56D6BDC201}" destId="{1A4914B0-4ADB-4422-A669-ADF399C2B1C5}" srcOrd="0" destOrd="0" presId="urn:microsoft.com/office/officeart/2005/8/layout/list1"/>
+    <dgm:cxn modelId="{0F3AF5C8-73E5-48E0-9548-C64053F23822}" srcId="{4E1BA6A8-874F-4D42-8EE4-BEDE9BFAF8D7}" destId="{C0A8F5F9-00BD-41E9-B44A-7356D4039D7B}" srcOrd="0" destOrd="0" parTransId="{D9444177-D901-48A2-969A-C2A832A007C1}" sibTransId="{90980758-2FB5-425C-8392-69E5FA9E1490}"/>
+    <dgm:cxn modelId="{DEBBD8D0-2E9D-4874-82AF-DAB849B5637B}" type="presOf" srcId="{08D9C0F8-DB2B-4432-9934-29D200A6BAA6}" destId="{7630C2B3-673B-4575-A821-926A4B23E3E7}" srcOrd="0" destOrd="1" presId="urn:microsoft.com/office/officeart/2005/8/layout/list1"/>
+    <dgm:cxn modelId="{9B25A52B-B8AC-48E3-A1F7-F6C056500B47}" srcId="{1E11E206-3F6C-4535-B4C2-1852A1175E7D}" destId="{4E1BA6A8-874F-4D42-8EE4-BEDE9BFAF8D7}" srcOrd="2" destOrd="0" parTransId="{A618356B-3C68-4DF4-856E-173179B7DB5A}" sibTransId="{049C09D5-5D54-487A-A1A6-D20BBBDC2835}"/>
+    <dgm:cxn modelId="{98E5AC7D-827F-4FB2-A78A-1018D4A6B493}" type="presOf" srcId="{1E11E206-3F6C-4535-B4C2-1852A1175E7D}" destId="{1A148C7C-2DF7-4A3E-8B60-CD1BB656DEB0}" srcOrd="0" destOrd="0" presId="urn:microsoft.com/office/officeart/2005/8/layout/list1"/>
+    <dgm:cxn modelId="{16FB6CCA-CB32-45F7-9201-709782784D93}" type="presOf" srcId="{96F225B3-2268-4CB1-9A6D-DD3D78235A90}" destId="{626BC4C1-7783-44BE-91BE-44C956F5D34C}" srcOrd="0" destOrd="0" presId="urn:microsoft.com/office/officeart/2005/8/layout/list1"/>
+    <dgm:cxn modelId="{667C7982-07DA-481C-9497-BB8D1BD54CE6}" srcId="{1E11E206-3F6C-4535-B4C2-1852A1175E7D}" destId="{96F225B3-2268-4CB1-9A6D-DD3D78235A90}" srcOrd="0" destOrd="0" parTransId="{BB73B217-FF8F-4C8F-8CD2-4750708F0382}" sibTransId="{F7D5E32B-2816-47FB-95E5-01C708BBC493}"/>
+    <dgm:cxn modelId="{17855CDE-C322-40D6-AB74-E841A2FF35A5}" type="presOf" srcId="{FBB55118-6D2F-4A87-8960-8E8554D0AB29}" destId="{D96AA0FF-3772-4C88-B9D9-D7702591B9A7}" srcOrd="0" destOrd="1" presId="urn:microsoft.com/office/officeart/2005/8/layout/list1"/>
     <dgm:cxn modelId="{235F2E60-677B-44C0-A518-958DF4691A0E}" type="presParOf" srcId="{1A148C7C-2DF7-4A3E-8B60-CD1BB656DEB0}" destId="{75069D38-BA13-4431-99AF-CCCC3F150DA1}" srcOrd="0" destOrd="0" presId="urn:microsoft.com/office/officeart/2005/8/layout/list1"/>
     <dgm:cxn modelId="{6125DB4D-92C8-4E3C-A150-27250FAA2A20}" type="presParOf" srcId="{75069D38-BA13-4431-99AF-CCCC3F150DA1}" destId="{626BC4C1-7783-44BE-91BE-44C956F5D34C}" srcOrd="0" destOrd="0" presId="urn:microsoft.com/office/officeart/2005/8/layout/list1"/>
     <dgm:cxn modelId="{7BA45699-6B2C-40A6-980D-D399D568CBE9}" type="presParOf" srcId="{75069D38-BA13-4431-99AF-CCCC3F150DA1}" destId="{8B3DCA86-CC99-48ED-8764-6E81C7AE6BE9}" srcOrd="1" destOrd="0" presId="urn:microsoft.com/office/officeart/2005/8/layout/list1"/>
@@ -2342,8 +2439,8 @@
       </dsp:nvSpPr>
       <dsp:spPr>
         <a:xfrm>
-          <a:off x="0" y="39378"/>
-          <a:ext cx="7542939" cy="1210632"/>
+          <a:off x="0" y="30982"/>
+          <a:ext cx="7964713" cy="1300173"/>
         </a:xfrm>
         <a:prstGeom prst="rect">
           <a:avLst/>
@@ -2385,7 +2482,7 @@
         </a:fontRef>
       </dsp:style>
       <dsp:txBody>
-        <a:bodyPr spcFirstLastPara="0" vert="horz" wrap="square" lIns="599676" tIns="458216" rIns="599676" bIns="113792" numCol="1" spcCol="1270" rtlCol="0" anchor="t" anchorCtr="0">
+        <a:bodyPr spcFirstLastPara="0" vert="horz" wrap="square" lIns="633208" tIns="645668" rIns="633208" bIns="113792" numCol="1" spcCol="1270" rtlCol="0" anchor="t" anchorCtr="0">
           <a:noAutofit/>
         </a:bodyPr>
         <a:lstStyle/>
@@ -2403,17 +2500,30 @@
             <a:buChar char="••"/>
           </a:pPr>
           <a:r>
-            <a:rPr lang="es-ES" sz="1600" kern="1200" noProof="0" smtClean="0">
+            <a:rPr lang="es-ES" sz="1600" b="1" kern="1200" noProof="0" dirty="0" err="1" smtClean="0">
+              <a:latin typeface="Georgia" panose="02040502050405020303" pitchFamily="18" charset="0"/>
               <a:ea typeface="+mn-ea"/>
               <a:cs typeface="+mn-cs"/>
             </a:rPr>
-            <a:t>Go: </a:t>
+            <a:t>Go</a:t>
           </a:r>
           <a:r>
-            <a:rPr lang="es-CO" sz="1600" kern="1200" smtClean="0"/>
+            <a:rPr lang="es-ES" sz="1600" b="1" kern="1200" noProof="0" dirty="0" smtClean="0">
+              <a:latin typeface="Georgia" panose="02040502050405020303" pitchFamily="18" charset="0"/>
+              <a:ea typeface="+mn-ea"/>
+              <a:cs typeface="+mn-cs"/>
+            </a:rPr>
+            <a:t>: </a:t>
+          </a:r>
+          <a:r>
+            <a:rPr lang="es-CO" sz="1600" kern="1200" dirty="0" smtClean="0">
+              <a:latin typeface="Georgia" panose="02040502050405020303" pitchFamily="18" charset="0"/>
+            </a:rPr>
             <a:t>manejo de servidor web </a:t>
           </a:r>
-          <a:endParaRPr lang="es-ES" sz="1600" kern="1200" noProof="0" dirty="0"/>
+          <a:endParaRPr lang="es-ES" sz="1600" kern="1200" noProof="0" dirty="0">
+            <a:latin typeface="Georgia" panose="02040502050405020303" pitchFamily="18" charset="0"/>
+          </a:endParaRPr>
         </a:p>
         <a:p>
           <a:pPr marL="171450" lvl="1" indent="-171450" algn="l" defTabSz="711200" rtl="0">
@@ -2429,19 +2539,37 @@
             <a:buChar char="••"/>
           </a:pPr>
           <a:r>
-            <a:rPr lang="es-ES" sz="1600" kern="1200" noProof="0" smtClean="0"/>
-            <a:t>Koklin:</a:t>
+            <a:rPr lang="es-ES" sz="1600" b="1" kern="1200" noProof="0" dirty="0" err="1" smtClean="0">
+              <a:latin typeface="Georgia" panose="02040502050405020303" pitchFamily="18" charset="0"/>
+            </a:rPr>
+            <a:t>Koklin</a:t>
           </a:r>
           <a:r>
-            <a:rPr lang="es-EC" sz="1600" kern="1200" noProof="0" smtClean="0"/>
-            <a:t> manejo de aplicación móvil </a:t>
+            <a:rPr lang="es-ES" sz="1600" b="1" kern="1200" noProof="0" dirty="0" smtClean="0">
+              <a:latin typeface="Georgia" panose="02040502050405020303" pitchFamily="18" charset="0"/>
+            </a:rPr>
+            <a:t>:</a:t>
           </a:r>
-          <a:endParaRPr lang="es-ES" sz="1600" kern="1200" noProof="0" dirty="0"/>
+          <a:r>
+            <a:rPr lang="es-EC" sz="1600" b="1" kern="1200" noProof="0" dirty="0" smtClean="0">
+              <a:latin typeface="Georgia" panose="02040502050405020303" pitchFamily="18" charset="0"/>
+            </a:rPr>
+            <a:t> </a:t>
+          </a:r>
+          <a:r>
+            <a:rPr lang="es-EC" sz="1600" kern="1200" noProof="0" dirty="0" smtClean="0">
+              <a:latin typeface="Georgia" panose="02040502050405020303" pitchFamily="18" charset="0"/>
+            </a:rPr>
+            <a:t>manejo de aplicación móvil </a:t>
+          </a:r>
+          <a:endParaRPr lang="es-ES" sz="1600" kern="1200" noProof="0" dirty="0">
+            <a:latin typeface="Georgia" panose="02040502050405020303" pitchFamily="18" charset="0"/>
+          </a:endParaRPr>
         </a:p>
       </dsp:txBody>
       <dsp:txXfrm>
-        <a:off x="0" y="39378"/>
-        <a:ext cx="7542939" cy="1210632"/>
+        <a:off x="0" y="30982"/>
+        <a:ext cx="7964713" cy="1300173"/>
       </dsp:txXfrm>
     </dsp:sp>
     <dsp:sp modelId="{8B3DCA86-CC99-48ED-8764-6E81C7AE6BE9}">
@@ -2451,8 +2579,8 @@
       </dsp:nvSpPr>
       <dsp:spPr>
         <a:xfrm>
-          <a:off x="1958" y="52767"/>
-          <a:ext cx="5867548" cy="357404"/>
+          <a:off x="2068" y="46080"/>
+          <a:ext cx="6195640" cy="403030"/>
         </a:xfrm>
         <a:prstGeom prst="rect">
           <a:avLst/>
@@ -2493,7 +2621,7 @@
         </a:fontRef>
       </dsp:style>
       <dsp:txBody>
-        <a:bodyPr spcFirstLastPara="0" vert="horz" wrap="square" lIns="204435" tIns="0" rIns="204435" bIns="0" numCol="1" spcCol="1270" rtlCol="0" anchor="ctr" anchorCtr="0">
+        <a:bodyPr spcFirstLastPara="0" vert="horz" wrap="square" lIns="215866" tIns="0" rIns="215866" bIns="0" numCol="1" spcCol="1270" rtlCol="0" anchor="ctr" anchorCtr="0">
           <a:noAutofit/>
         </a:bodyPr>
         <a:lstStyle/>
@@ -2510,18 +2638,21 @@
             </a:spcAft>
           </a:pPr>
           <a:r>
-            <a:rPr lang="es-ES" sz="1800" b="1" kern="1200" noProof="0" smtClean="0">
+            <a:rPr lang="es-ES" sz="1800" b="1" kern="1200" noProof="0" dirty="0" smtClean="0">
+              <a:latin typeface="Georgia" panose="02040502050405020303" pitchFamily="18" charset="0"/>
               <a:ea typeface="+mn-ea"/>
               <a:cs typeface="+mn-cs"/>
             </a:rPr>
             <a:t>Lenguajes  de Programación</a:t>
           </a:r>
-          <a:endParaRPr lang="es-ES" sz="1800" b="1" kern="1200" noProof="0" dirty="0"/>
+          <a:endParaRPr lang="es-ES" sz="1800" b="1" kern="1200" noProof="0" dirty="0">
+            <a:latin typeface="Georgia" panose="02040502050405020303" pitchFamily="18" charset="0"/>
+          </a:endParaRPr>
         </a:p>
       </dsp:txBody>
       <dsp:txXfrm>
-        <a:off x="1958" y="52767"/>
-        <a:ext cx="5867548" cy="357404"/>
+        <a:off x="2068" y="46080"/>
+        <a:ext cx="6195640" cy="403030"/>
       </dsp:txXfrm>
     </dsp:sp>
     <dsp:sp modelId="{EA904451-CA9C-48CF-A3F7-6C4003934218}">
@@ -2531,8 +2662,8 @@
       </dsp:nvSpPr>
       <dsp:spPr>
         <a:xfrm>
-          <a:off x="0" y="1293878"/>
-          <a:ext cx="7582654" cy="1035857"/>
+          <a:off x="0" y="1380622"/>
+          <a:ext cx="7955983" cy="1211689"/>
         </a:xfrm>
         <a:prstGeom prst="rect">
           <a:avLst/>
@@ -2574,7 +2705,7 @@
         </a:fontRef>
       </dsp:style>
       <dsp:txBody>
-        <a:bodyPr spcFirstLastPara="0" vert="horz" wrap="square" lIns="599676" tIns="458216" rIns="599676" bIns="113792" numCol="1" spcCol="1270" rtlCol="0" anchor="t" anchorCtr="0">
+        <a:bodyPr spcFirstLastPara="0" vert="horz" wrap="square" lIns="633208" tIns="645668" rIns="633208" bIns="113792" numCol="1" spcCol="1270" rtlCol="0" anchor="t" anchorCtr="0">
           <a:noAutofit/>
         </a:bodyPr>
         <a:lstStyle/>
@@ -2591,7 +2722,9 @@
             </a:spcAft>
             <a:buChar char="••"/>
           </a:pPr>
-          <a:endParaRPr lang="es-ES" sz="1600" kern="1200" noProof="0" dirty="0"/>
+          <a:endParaRPr lang="es-ES" sz="1600" kern="1200" noProof="0" dirty="0">
+            <a:latin typeface="Georgia" panose="02040502050405020303" pitchFamily="18" charset="0"/>
+          </a:endParaRPr>
         </a:p>
         <a:p>
           <a:pPr marL="171450" lvl="1" indent="-171450" algn="l" defTabSz="711200" rtl="0">
@@ -2607,32 +2740,45 @@
             <a:buChar char="••"/>
           </a:pPr>
           <a:r>
-            <a:rPr lang="es-ES" sz="1600" kern="1200" noProof="0" dirty="0" smtClean="0">
+            <a:rPr lang="es-ES" sz="1600" b="1" kern="1200" noProof="0" dirty="0" smtClean="0">
+              <a:latin typeface="Georgia" panose="02040502050405020303" pitchFamily="18" charset="0"/>
               <a:ea typeface="+mn-ea"/>
               <a:cs typeface="+mn-cs"/>
             </a:rPr>
             <a:t>Android </a:t>
           </a:r>
           <a:r>
-            <a:rPr lang="es-ES" sz="1600" kern="1200" noProof="0" dirty="0" err="1" smtClean="0">
+            <a:rPr lang="es-ES" sz="1600" b="1" kern="1200" noProof="0" dirty="0" err="1" smtClean="0">
+              <a:latin typeface="Georgia" panose="02040502050405020303" pitchFamily="18" charset="0"/>
               <a:ea typeface="+mn-ea"/>
               <a:cs typeface="+mn-cs"/>
             </a:rPr>
             <a:t>Studios</a:t>
           </a:r>
           <a:r>
-            <a:rPr lang="es-ES" sz="1600" kern="1200" noProof="0" dirty="0" smtClean="0">
+            <a:rPr lang="es-ES" sz="1600" b="1" kern="1200" noProof="0" dirty="0" smtClean="0">
+              <a:latin typeface="Georgia" panose="02040502050405020303" pitchFamily="18" charset="0"/>
               <a:ea typeface="+mn-ea"/>
               <a:cs typeface="+mn-cs"/>
             </a:rPr>
-            <a:t>: creación de la aplicación móvil</a:t>
+            <a:t>: </a:t>
           </a:r>
-          <a:endParaRPr lang="es-ES" sz="1600" kern="1200" noProof="0" dirty="0"/>
+          <a:r>
+            <a:rPr lang="es-ES" sz="1600" kern="1200" noProof="0" dirty="0" smtClean="0">
+              <a:latin typeface="Georgia" panose="02040502050405020303" pitchFamily="18" charset="0"/>
+              <a:ea typeface="+mn-ea"/>
+              <a:cs typeface="+mn-cs"/>
+            </a:rPr>
+            <a:t>creación de la aplicación móvil</a:t>
+          </a:r>
+          <a:endParaRPr lang="es-ES" sz="1600" kern="1200" noProof="0" dirty="0">
+            <a:latin typeface="Georgia" panose="02040502050405020303" pitchFamily="18" charset="0"/>
+          </a:endParaRPr>
         </a:p>
       </dsp:txBody>
       <dsp:txXfrm>
-        <a:off x="0" y="1293878"/>
-        <a:ext cx="7582654" cy="1035857"/>
+        <a:off x="0" y="1380622"/>
+        <a:ext cx="7955983" cy="1211689"/>
       </dsp:txXfrm>
     </dsp:sp>
     <dsp:sp modelId="{388E0281-7FCC-4892-BD85-59C45354E9DA}">
@@ -2642,8 +2788,8 @@
       </dsp:nvSpPr>
       <dsp:spPr>
         <a:xfrm>
-          <a:off x="21824" y="1335612"/>
-          <a:ext cx="5815732" cy="483786"/>
+          <a:off x="23044" y="1427684"/>
+          <a:ext cx="6140927" cy="545546"/>
         </a:xfrm>
         <a:prstGeom prst="rect">
           <a:avLst/>
@@ -2684,7 +2830,7 @@
         </a:fontRef>
       </dsp:style>
       <dsp:txBody>
-        <a:bodyPr spcFirstLastPara="0" vert="horz" wrap="square" lIns="204435" tIns="0" rIns="204435" bIns="0" numCol="1" spcCol="1270" rtlCol="0" anchor="ctr" anchorCtr="0">
+        <a:bodyPr spcFirstLastPara="0" vert="horz" wrap="square" lIns="215866" tIns="0" rIns="215866" bIns="0" numCol="1" spcCol="1270" rtlCol="0" anchor="ctr" anchorCtr="0">
           <a:noAutofit/>
         </a:bodyPr>
         <a:lstStyle/>
@@ -2702,17 +2848,20 @@
           </a:pPr>
           <a:r>
             <a:rPr lang="es-ES" sz="1800" b="1" kern="1200" noProof="0" dirty="0" smtClean="0">
+              <a:latin typeface="Georgia" panose="02040502050405020303" pitchFamily="18" charset="0"/>
               <a:ea typeface="+mn-ea"/>
               <a:cs typeface="+mn-cs"/>
             </a:rPr>
             <a:t>IDE</a:t>
           </a:r>
-          <a:endParaRPr lang="es-ES" sz="1800" b="1" kern="1200" noProof="0" dirty="0"/>
+          <a:endParaRPr lang="es-ES" sz="1800" b="1" kern="1200" noProof="0" dirty="0">
+            <a:latin typeface="Georgia" panose="02040502050405020303" pitchFamily="18" charset="0"/>
+          </a:endParaRPr>
         </a:p>
       </dsp:txBody>
       <dsp:txXfrm>
-        <a:off x="21824" y="1335612"/>
-        <a:ext cx="5815732" cy="483786"/>
+        <a:off x="23044" y="1427684"/>
+        <a:ext cx="6140927" cy="545546"/>
       </dsp:txXfrm>
     </dsp:sp>
     <dsp:sp modelId="{7630C2B3-673B-4575-A821-926A4B23E3E7}">
@@ -2722,8 +2871,8 @@
       </dsp:nvSpPr>
       <dsp:spPr>
         <a:xfrm>
-          <a:off x="0" y="2368496"/>
-          <a:ext cx="7582654" cy="1554525"/>
+          <a:off x="0" y="2636021"/>
+          <a:ext cx="7955983" cy="1669500"/>
         </a:xfrm>
         <a:prstGeom prst="rect">
           <a:avLst/>
@@ -2765,7 +2914,7 @@
         </a:fontRef>
       </dsp:style>
       <dsp:txBody>
-        <a:bodyPr spcFirstLastPara="0" vert="horz" wrap="square" lIns="599676" tIns="458216" rIns="599676" bIns="113792" numCol="1" spcCol="1270" rtlCol="0" anchor="t" anchorCtr="0">
+        <a:bodyPr spcFirstLastPara="0" vert="horz" wrap="square" lIns="633208" tIns="645668" rIns="633208" bIns="113792" numCol="1" spcCol="1270" rtlCol="0" anchor="t" anchorCtr="0">
           <a:noAutofit/>
         </a:bodyPr>
         <a:lstStyle/>
@@ -2786,6 +2935,7 @@
             <a:solidFill>
               <a:schemeClr val="bg2"/>
             </a:solidFill>
+            <a:latin typeface="Georgia" panose="02040502050405020303" pitchFamily="18" charset="0"/>
           </a:endParaRPr>
         </a:p>
         <a:p>
@@ -2802,26 +2952,29 @@
             <a:buChar char="••"/>
           </a:pPr>
           <a:r>
-            <a:rPr lang="es-EC" sz="1600" kern="1200" noProof="0" dirty="0" err="1" smtClean="0">
+            <a:rPr lang="es-EC" sz="1600" b="1" i="0" kern="1200" noProof="0" dirty="0" err="1" smtClean="0">
               <a:solidFill>
                 <a:schemeClr val="bg2"/>
               </a:solidFill>
+              <a:latin typeface="Georgia" panose="02040502050405020303" pitchFamily="18" charset="0"/>
             </a:rPr>
             <a:t>MySQL</a:t>
           </a:r>
           <a:r>
-            <a:rPr lang="es-EC" sz="1600" kern="1200" noProof="0" dirty="0" smtClean="0">
+            <a:rPr lang="es-EC" sz="1600" b="1" i="0" kern="1200" noProof="0" dirty="0" smtClean="0">
               <a:solidFill>
                 <a:schemeClr val="bg2"/>
               </a:solidFill>
+              <a:latin typeface="Georgia" panose="02040502050405020303" pitchFamily="18" charset="0"/>
             </a:rPr>
-            <a:t> : </a:t>
+            <a:t>: </a:t>
           </a:r>
           <a:r>
             <a:rPr lang="es-EC" sz="1600" kern="1200" noProof="0" dirty="0" err="1" smtClean="0">
               <a:solidFill>
                 <a:schemeClr val="bg2"/>
               </a:solidFill>
+              <a:latin typeface="Georgia" panose="02040502050405020303" pitchFamily="18" charset="0"/>
             </a:rPr>
             <a:t>gestionamiento</a:t>
           </a:r>
@@ -2830,6 +2983,7 @@
               <a:solidFill>
                 <a:schemeClr val="bg2"/>
               </a:solidFill>
+              <a:latin typeface="Georgia" panose="02040502050405020303" pitchFamily="18" charset="0"/>
             </a:rPr>
             <a:t> de información </a:t>
           </a:r>
@@ -2837,12 +2991,13 @@
             <a:solidFill>
               <a:schemeClr val="bg2"/>
             </a:solidFill>
+            <a:latin typeface="Georgia" panose="02040502050405020303" pitchFamily="18" charset="0"/>
           </a:endParaRPr>
         </a:p>
       </dsp:txBody>
       <dsp:txXfrm>
-        <a:off x="0" y="2368496"/>
-        <a:ext cx="7582654" cy="1554525"/>
+        <a:off x="0" y="2636021"/>
+        <a:ext cx="7955983" cy="1669500"/>
       </dsp:txXfrm>
     </dsp:sp>
     <dsp:sp modelId="{F66833CB-D0B7-4CD9-8414-1E51896B9CEC}">
@@ -2852,8 +3007,8 @@
       </dsp:nvSpPr>
       <dsp:spPr>
         <a:xfrm>
-          <a:off x="0" y="2387823"/>
-          <a:ext cx="5959657" cy="478680"/>
+          <a:off x="0" y="2657815"/>
+          <a:ext cx="6292900" cy="539788"/>
         </a:xfrm>
         <a:prstGeom prst="roundRect">
           <a:avLst/>
@@ -2894,7 +3049,7 @@
         </a:fontRef>
       </dsp:style>
       <dsp:txBody>
-        <a:bodyPr spcFirstLastPara="0" vert="horz" wrap="square" lIns="204435" tIns="0" rIns="204435" bIns="0" numCol="1" spcCol="1270" rtlCol="0" anchor="ctr" anchorCtr="0">
+        <a:bodyPr spcFirstLastPara="0" vert="horz" wrap="square" lIns="215866" tIns="0" rIns="215866" bIns="0" numCol="1" spcCol="1270" rtlCol="0" anchor="ctr" anchorCtr="0">
           <a:noAutofit/>
         </a:bodyPr>
         <a:lstStyle/>
@@ -2915,6 +3070,7 @@
               <a:solidFill>
                 <a:schemeClr val="bg2"/>
               </a:solidFill>
+              <a:latin typeface="Georgia" panose="02040502050405020303" pitchFamily="18" charset="0"/>
             </a:rPr>
             <a:t>Gestor de Base de datos</a:t>
           </a:r>
@@ -2922,12 +3078,13 @@
             <a:solidFill>
               <a:schemeClr val="bg2"/>
             </a:solidFill>
+            <a:latin typeface="Georgia" panose="02040502050405020303" pitchFamily="18" charset="0"/>
           </a:endParaRPr>
         </a:p>
       </dsp:txBody>
       <dsp:txXfrm>
-        <a:off x="23367" y="2411190"/>
-        <a:ext cx="5912923" cy="431946"/>
+        <a:off x="26350" y="2684165"/>
+        <a:ext cx="6240200" cy="487088"/>
       </dsp:txXfrm>
     </dsp:sp>
   </dsp:spTree>
@@ -5171,7 +5328,7 @@
           <a:lstStyle/>
           <a:p>
             <a:pPr rtl="0"/>
-            <a:endParaRPr lang="es-ES" dirty="0"/>
+            <a:endParaRPr lang="es-ES"/>
           </a:p>
         </p:txBody>
       </p:sp>
@@ -5196,7 +5353,7 @@
               <a:pPr rtl="0"/>
               <a:t>6</a:t>
             </a:fld>
-            <a:endParaRPr lang="es-ES" dirty="0"/>
+            <a:endParaRPr lang="es-ES"/>
           </a:p>
         </p:txBody>
       </p:sp>
@@ -5255,7 +5412,7 @@
           <a:lstStyle/>
           <a:p>
             <a:pPr rtl="0"/>
-            <a:endParaRPr lang="es-ES"/>
+            <a:endParaRPr lang="es-ES" dirty="0"/>
           </a:p>
         </p:txBody>
       </p:sp>
@@ -5279,6 +5436,90 @@
               <a:rPr lang="es-ES" smtClean="0"/>
               <a:pPr rtl="0"/>
               <a:t>7</a:t>
+            </a:fld>
+            <a:endParaRPr lang="es-ES" dirty="0"/>
+          </a:p>
+        </p:txBody>
+      </p:sp>
+    </p:spTree>
+  </p:cSld>
+  <p:clrMapOvr>
+    <a:masterClrMapping/>
+  </p:clrMapOvr>
+</p:notes>
+</file>
+
+<file path=ppt/notesSlides/notesSlide8.xml><?xml version="1.0" encoding="utf-8"?>
+<p:notes xmlns:a="http://schemas.openxmlformats.org/drawingml/2006/main" xmlns:r="http://schemas.openxmlformats.org/officeDocument/2006/relationships" xmlns:p="http://schemas.openxmlformats.org/presentationml/2006/main">
+  <p:cSld>
+    <p:spTree>
+      <p:nvGrpSpPr>
+        <p:cNvPr id="1" name=""/>
+        <p:cNvGrpSpPr/>
+        <p:nvPr/>
+      </p:nvGrpSpPr>
+      <p:grpSpPr>
+        <a:xfrm>
+          <a:off x="0" y="0"/>
+          <a:ext cx="0" cy="0"/>
+          <a:chOff x="0" y="0"/>
+          <a:chExt cx="0" cy="0"/>
+        </a:xfrm>
+      </p:grpSpPr>
+      <p:sp>
+        <p:nvSpPr>
+          <p:cNvPr id="2" name="Marcador de posición de imagen de diapositiva 1"/>
+          <p:cNvSpPr>
+            <a:spLocks noGrp="1" noRot="1" noChangeAspect="1"/>
+          </p:cNvSpPr>
+          <p:nvPr>
+            <p:ph type="sldImg"/>
+          </p:nvPr>
+        </p:nvSpPr>
+        <p:spPr/>
+      </p:sp>
+      <p:sp>
+        <p:nvSpPr>
+          <p:cNvPr id="3" name="Marcador de posición de notas 2"/>
+          <p:cNvSpPr>
+            <a:spLocks noGrp="1"/>
+          </p:cNvSpPr>
+          <p:nvPr>
+            <p:ph type="body" idx="1"/>
+          </p:nvPr>
+        </p:nvSpPr>
+        <p:spPr/>
+        <p:txBody>
+          <a:bodyPr rtlCol="0">
+            <a:normAutofit/>
+          </a:bodyPr>
+          <a:lstStyle/>
+          <a:p>
+            <a:pPr rtl="0"/>
+            <a:endParaRPr lang="es-ES"/>
+          </a:p>
+        </p:txBody>
+      </p:sp>
+      <p:sp>
+        <p:nvSpPr>
+          <p:cNvPr id="4" name="Marcador de posición de número de diapositiva 3"/>
+          <p:cNvSpPr>
+            <a:spLocks noGrp="1"/>
+          </p:cNvSpPr>
+          <p:nvPr>
+            <p:ph type="sldNum" sz="quarter" idx="10"/>
+          </p:nvPr>
+        </p:nvSpPr>
+        <p:spPr/>
+        <p:txBody>
+          <a:bodyPr rtlCol="0"/>
+          <a:lstStyle/>
+          <a:p>
+            <a:pPr rtl="0"/>
+            <a:fld id="{7C4E7652-46AF-4259-BAE2-54978EA077CD}" type="slidenum">
+              <a:rPr lang="es-ES" smtClean="0"/>
+              <a:pPr rtl="0"/>
+              <a:t>8</a:t>
             </a:fld>
             <a:endParaRPr lang="es-ES"/>
           </a:p>
@@ -7398,8 +7639,8 @@
         </p:nvSpPr>
         <p:spPr>
           <a:xfrm>
-            <a:off x="2209800" y="1295400"/>
-            <a:ext cx="6393656" cy="1425577"/>
+            <a:off x="1043608" y="1295400"/>
+            <a:ext cx="7559848" cy="1425577"/>
           </a:xfrm>
         </p:spPr>
         <p:txBody>
@@ -7408,32 +7649,48 @@
           <a:p>
             <a:pPr rtl="0"/>
             <a:r>
-              <a:rPr lang="es-ES" dirty="0" smtClean="0"/>
+              <a:rPr lang="es-ES" dirty="0" smtClean="0">
+                <a:latin typeface="Georgia" panose="02040502050405020303" pitchFamily="18" charset="0"/>
+              </a:rPr>
               <a:t>App móvil informativa</a:t>
             </a:r>
             <a:br>
-              <a:rPr lang="es-ES" dirty="0" smtClean="0"/>
+              <a:rPr lang="es-ES" dirty="0" smtClean="0">
+                <a:latin typeface="Georgia" panose="02040502050405020303" pitchFamily="18" charset="0"/>
+              </a:rPr>
             </a:br>
             <a:r>
-              <a:rPr lang="es-ES" dirty="0" smtClean="0"/>
+              <a:rPr lang="es-ES" dirty="0" smtClean="0">
+                <a:latin typeface="Georgia" panose="02040502050405020303" pitchFamily="18" charset="0"/>
+              </a:rPr>
               <a:t>acerca de </a:t>
             </a:r>
             <a:r>
-              <a:rPr lang="es-ES" dirty="0" err="1" smtClean="0"/>
+              <a:rPr lang="es-ES" dirty="0" err="1" smtClean="0">
+                <a:latin typeface="Georgia" panose="02040502050405020303" pitchFamily="18" charset="0"/>
+              </a:rPr>
               <a:t>Challenges</a:t>
             </a:r>
             <a:r>
-              <a:rPr lang="es-ES" dirty="0" smtClean="0"/>
+              <a:rPr lang="es-ES" dirty="0" smtClean="0">
+                <a:latin typeface="Georgia" panose="02040502050405020303" pitchFamily="18" charset="0"/>
+              </a:rPr>
               <a:t> </a:t>
             </a:r>
             <a:r>
-              <a:rPr lang="es-ES" dirty="0"/>
+              <a:rPr lang="es-ES" dirty="0">
+                <a:latin typeface="Georgia" panose="02040502050405020303" pitchFamily="18" charset="0"/>
+              </a:rPr>
               <a:t/>
             </a:r>
             <a:br>
-              <a:rPr lang="es-ES" dirty="0"/>
+              <a:rPr lang="es-ES" dirty="0">
+                <a:latin typeface="Georgia" panose="02040502050405020303" pitchFamily="18" charset="0"/>
+              </a:rPr>
             </a:br>
-            <a:endParaRPr lang="es-ES" b="0" dirty="0"/>
+            <a:endParaRPr lang="es-ES" b="0" dirty="0">
+              <a:latin typeface="Georgia" panose="02040502050405020303" pitchFamily="18" charset="0"/>
+            </a:endParaRPr>
           </a:p>
         </p:txBody>
       </p:sp>
@@ -7461,10 +7718,14 @@
           <a:p>
             <a:pPr algn="r" rtl="0"/>
             <a:r>
-              <a:rPr lang="es-ES" b="1" dirty="0" smtClean="0"/>
+              <a:rPr lang="es-ES" b="1" dirty="0" smtClean="0">
+                <a:latin typeface="Georgia" panose="02040502050405020303" pitchFamily="18" charset="0"/>
+              </a:rPr>
               <a:t>Integrantes</a:t>
             </a:r>
-            <a:endParaRPr lang="es-ES" b="1" dirty="0"/>
+            <a:endParaRPr lang="es-ES" b="1" dirty="0">
+              <a:latin typeface="Georgia" panose="02040502050405020303" pitchFamily="18" charset="0"/>
+            </a:endParaRPr>
           </a:p>
           <a:p>
             <a:pPr marL="457200" indent="-457200">
@@ -7472,15 +7733,21 @@
               <a:buChar char="•"/>
             </a:pPr>
             <a:r>
-              <a:rPr lang="es-ES" dirty="0" smtClean="0"/>
+              <a:rPr lang="es-ES" dirty="0" smtClean="0">
+                <a:latin typeface="Georgia" panose="02040502050405020303" pitchFamily="18" charset="0"/>
+              </a:rPr>
               <a:t>Morales Mendoza </a:t>
             </a:r>
             <a:r>
-              <a:rPr lang="es-ES" dirty="0" err="1" smtClean="0"/>
+              <a:rPr lang="es-ES" dirty="0" err="1" smtClean="0">
+                <a:latin typeface="Georgia" panose="02040502050405020303" pitchFamily="18" charset="0"/>
+              </a:rPr>
               <a:t>Jose</a:t>
             </a:r>
             <a:r>
-              <a:rPr lang="es-ES" dirty="0" smtClean="0"/>
+              <a:rPr lang="es-ES" dirty="0" smtClean="0">
+                <a:latin typeface="Georgia" panose="02040502050405020303" pitchFamily="18" charset="0"/>
+              </a:rPr>
               <a:t> Francisco</a:t>
             </a:r>
           </a:p>
@@ -7490,30 +7757,44 @@
               <a:buChar char="•"/>
             </a:pPr>
             <a:r>
-              <a:rPr lang="es-ES" dirty="0" smtClean="0"/>
+              <a:rPr lang="es-ES" dirty="0" smtClean="0">
+                <a:latin typeface="Georgia" panose="02040502050405020303" pitchFamily="18" charset="0"/>
+              </a:rPr>
               <a:t>Manzano </a:t>
             </a:r>
             <a:r>
-              <a:rPr lang="es-ES" dirty="0" err="1" smtClean="0"/>
+              <a:rPr lang="es-ES" dirty="0" err="1" smtClean="0">
+                <a:latin typeface="Georgia" panose="02040502050405020303" pitchFamily="18" charset="0"/>
+              </a:rPr>
               <a:t>Manzano</a:t>
             </a:r>
             <a:r>
-              <a:rPr lang="es-ES" dirty="0" smtClean="0"/>
+              <a:rPr lang="es-ES" dirty="0" smtClean="0">
+                <a:latin typeface="Georgia" panose="02040502050405020303" pitchFamily="18" charset="0"/>
+              </a:rPr>
               <a:t> </a:t>
             </a:r>
             <a:r>
-              <a:rPr lang="es-ES" dirty="0" err="1" smtClean="0"/>
+              <a:rPr lang="es-ES" dirty="0" err="1" smtClean="0">
+                <a:latin typeface="Georgia" panose="02040502050405020303" pitchFamily="18" charset="0"/>
+              </a:rPr>
               <a:t>bryan</a:t>
             </a:r>
             <a:r>
-              <a:rPr lang="es-ES" dirty="0" smtClean="0"/>
+              <a:rPr lang="es-ES" dirty="0" smtClean="0">
+                <a:latin typeface="Georgia" panose="02040502050405020303" pitchFamily="18" charset="0"/>
+              </a:rPr>
               <a:t> </a:t>
             </a:r>
             <a:r>
-              <a:rPr lang="es-ES" dirty="0" err="1" smtClean="0"/>
+              <a:rPr lang="es-ES" dirty="0" err="1" smtClean="0">
+                <a:latin typeface="Georgia" panose="02040502050405020303" pitchFamily="18" charset="0"/>
+              </a:rPr>
               <a:t>Andres</a:t>
             </a:r>
-            <a:endParaRPr lang="es-ES" dirty="0" smtClean="0"/>
+            <a:endParaRPr lang="es-ES" dirty="0" smtClean="0">
+              <a:latin typeface="Georgia" panose="02040502050405020303" pitchFamily="18" charset="0"/>
+            </a:endParaRPr>
           </a:p>
           <a:p>
             <a:pPr marL="457200" indent="-457200">
@@ -7521,22 +7802,32 @@
               <a:buChar char="•"/>
             </a:pPr>
             <a:r>
-              <a:rPr lang="es-ES" dirty="0" smtClean="0"/>
+              <a:rPr lang="es-ES" dirty="0" smtClean="0">
+                <a:latin typeface="Georgia" panose="02040502050405020303" pitchFamily="18" charset="0"/>
+              </a:rPr>
               <a:t>Vargas Aguirre </a:t>
             </a:r>
             <a:r>
-              <a:rPr lang="es-ES" dirty="0" err="1" smtClean="0"/>
+              <a:rPr lang="es-ES" dirty="0" err="1" smtClean="0">
+                <a:latin typeface="Georgia" panose="02040502050405020303" pitchFamily="18" charset="0"/>
+              </a:rPr>
               <a:t>Lilibeth</a:t>
             </a:r>
             <a:r>
-              <a:rPr lang="es-ES" dirty="0" smtClean="0"/>
+              <a:rPr lang="es-ES" dirty="0" smtClean="0">
+                <a:latin typeface="Georgia" panose="02040502050405020303" pitchFamily="18" charset="0"/>
+              </a:rPr>
               <a:t> </a:t>
             </a:r>
             <a:r>
-              <a:rPr lang="es-ES" dirty="0" err="1" smtClean="0"/>
+              <a:rPr lang="es-ES" dirty="0" err="1" smtClean="0">
+                <a:latin typeface="Georgia" panose="02040502050405020303" pitchFamily="18" charset="0"/>
+              </a:rPr>
               <a:t>Tays</a:t>
             </a:r>
-            <a:endParaRPr lang="es-ES" dirty="0"/>
+            <a:endParaRPr lang="es-ES" dirty="0">
+              <a:latin typeface="Georgia" panose="02040502050405020303" pitchFamily="18" charset="0"/>
+            </a:endParaRPr>
           </a:p>
         </p:txBody>
       </p:sp>
@@ -7545,6 +7836,25 @@
   <p:clrMapOvr>
     <a:masterClrMapping/>
   </p:clrMapOvr>
+  <mc:AlternateContent xmlns:mc="http://schemas.openxmlformats.org/markup-compatibility/2006" xmlns:p14="http://schemas.microsoft.com/office/powerpoint/2010/main">
+    <mc:Choice Requires="p14">
+      <p:transition p14:dur="250">
+        <p:randomBar dir="vert"/>
+      </p:transition>
+    </mc:Choice>
+    <mc:Fallback xmlns="">
+      <p:transition>
+        <p:randomBar dir="vert"/>
+      </p:transition>
+    </mc:Fallback>
+  </mc:AlternateContent>
+  <p:timing>
+    <p:tnLst>
+      <p:par>
+        <p:cTn id="1" dur="indefinite" restart="never" nodeType="tmRoot"/>
+      </p:par>
+    </p:tnLst>
+  </p:timing>
 </p:sld>
 </file>
 
@@ -7587,10 +7897,14 @@
           <a:p>
             <a:pPr rtl="0"/>
             <a:r>
-              <a:rPr lang="es-ES" b="0" dirty="0" smtClean="0"/>
+              <a:rPr lang="es-ES" b="0" dirty="0" smtClean="0">
+                <a:latin typeface="Georgia" panose="02040502050405020303" pitchFamily="18" charset="0"/>
+              </a:rPr>
               <a:t>Problemática</a:t>
             </a:r>
-            <a:endParaRPr lang="es-ES" dirty="0"/>
+            <a:endParaRPr lang="es-ES" dirty="0">
+              <a:latin typeface="Georgia" panose="02040502050405020303" pitchFamily="18" charset="0"/>
+            </a:endParaRPr>
           </a:p>
         </p:txBody>
       </p:sp>
@@ -7608,9 +7922,9 @@
         </p:nvGrpSpPr>
         <p:grpSpPr>
           <a:xfrm>
-            <a:off x="1319997" y="4486681"/>
-            <a:ext cx="6328746" cy="425066"/>
-            <a:chOff x="0" y="3750030"/>
+            <a:off x="1253731" y="4563085"/>
+            <a:ext cx="7307076" cy="929764"/>
+            <a:chOff x="-91858" y="3750030"/>
             <a:chExt cx="8229600" cy="820415"/>
           </a:xfrm>
           <a:solidFill>
@@ -7631,7 +7945,7 @@
           </p:nvSpPr>
           <p:spPr>
             <a:xfrm>
-              <a:off x="0" y="3750030"/>
+              <a:off x="-91858" y="3750030"/>
               <a:ext cx="8229600" cy="820415"/>
             </a:xfrm>
             <a:prstGeom prst="rect">
@@ -7723,14 +8037,20 @@
                 </a:spcAft>
               </a:pPr>
               <a:r>
-                <a:rPr lang="es-EC" sz="1500" dirty="0" smtClean="0"/>
+                <a:rPr lang="es-EC" sz="2000" dirty="0" smtClean="0">
+                  <a:latin typeface="Georgia" panose="02040502050405020303" pitchFamily="18" charset="0"/>
+                </a:rPr>
                 <a:t>Dificultad al </a:t>
               </a:r>
               <a:r>
-                <a:rPr lang="es-EC" sz="1500" dirty="0"/>
+                <a:rPr lang="es-EC" sz="2000" dirty="0">
+                  <a:latin typeface="Georgia" panose="02040502050405020303" pitchFamily="18" charset="0"/>
+                </a:rPr>
                 <a:t>armar un grupo para participar</a:t>
               </a:r>
-              <a:endParaRPr lang="es-ES" sz="1500" kern="1200" dirty="0"/>
+              <a:endParaRPr lang="es-ES" sz="2000" kern="1200" dirty="0">
+                <a:latin typeface="Georgia" panose="02040502050405020303" pitchFamily="18" charset="0"/>
+              </a:endParaRPr>
             </a:p>
           </p:txBody>
         </p:sp>
@@ -7749,14 +8069,14 @@
         </p:nvGrpSpPr>
         <p:grpSpPr>
           <a:xfrm>
-            <a:off x="2506637" y="3678687"/>
-            <a:ext cx="3955466" cy="653752"/>
+            <a:off x="1790344" y="3637641"/>
+            <a:ext cx="6233852" cy="925443"/>
             <a:chOff x="0" y="2500538"/>
             <a:chExt cx="8229600" cy="1261798"/>
           </a:xfrm>
           <a:solidFill>
-            <a:schemeClr val="accent4">
-              <a:lumMod val="50000"/>
+            <a:schemeClr val="accent2">
+              <a:lumMod val="75000"/>
             </a:schemeClr>
           </a:solidFill>
         </p:grpSpPr>
@@ -7783,29 +8103,14 @@
             <a:grpFill/>
           </p:spPr>
           <p:style>
-            <a:lnRef idx="2">
-              <a:schemeClr val="lt1">
-                <a:hueOff val="0"/>
-                <a:satOff val="0"/>
-                <a:lumOff val="0"/>
-                <a:alphaOff val="0"/>
-              </a:schemeClr>
+            <a:lnRef idx="3">
+              <a:schemeClr val="lt1"/>
             </a:lnRef>
             <a:fillRef idx="1">
-              <a:schemeClr val="accent1">
-                <a:hueOff val="0"/>
-                <a:satOff val="0"/>
-                <a:lumOff val="0"/>
-                <a:alphaOff val="0"/>
-              </a:schemeClr>
+              <a:schemeClr val="accent2"/>
             </a:fillRef>
-            <a:effectRef idx="0">
-              <a:schemeClr val="accent1">
-                <a:hueOff val="0"/>
-                <a:satOff val="0"/>
-                <a:lumOff val="0"/>
-                <a:alphaOff val="0"/>
-              </a:schemeClr>
+            <a:effectRef idx="1">
+              <a:schemeClr val="accent2"/>
             </a:effectRef>
             <a:fontRef idx="minor">
               <a:schemeClr val="lt1"/>
@@ -7825,7 +8130,7 @@
             <p:nvPr/>
           </p:nvSpPr>
           <p:spPr>
-            <a:xfrm rot="21600000">
+            <a:xfrm>
               <a:off x="0" y="2500538"/>
               <a:ext cx="8229600" cy="819878"/>
             </a:xfrm>
@@ -7835,14 +8140,14 @@
             <a:grpFill/>
           </p:spPr>
           <p:style>
-            <a:lnRef idx="0">
-              <a:scrgbClr r="0" g="0" b="0"/>
+            <a:lnRef idx="3">
+              <a:schemeClr val="lt1"/>
             </a:lnRef>
-            <a:fillRef idx="0">
-              <a:scrgbClr r="0" g="0" b="0"/>
+            <a:fillRef idx="1">
+              <a:schemeClr val="accent2"/>
             </a:fillRef>
-            <a:effectRef idx="0">
-              <a:scrgbClr r="0" g="0" b="0"/>
+            <a:effectRef idx="1">
+              <a:schemeClr val="accent2"/>
             </a:effectRef>
             <a:fontRef idx="minor">
               <a:schemeClr val="lt1"/>
@@ -7866,22 +8171,26 @@
                 </a:spcAft>
               </a:pPr>
               <a:r>
-                <a:rPr lang="es-ES" sz="1500" dirty="0">
+                <a:rPr lang="es-ES" sz="2000" dirty="0">
                   <a:solidFill>
                     <a:schemeClr val="bg1"/>
                   </a:solidFill>
+                  <a:latin typeface="Georgia" panose="02040502050405020303" pitchFamily="18" charset="0"/>
                 </a:rPr>
                 <a:t>N</a:t>
               </a:r>
               <a:r>
-                <a:rPr lang="es-EC" sz="1500" dirty="0">
+                <a:rPr lang="es-EC" sz="2000" dirty="0">
                   <a:solidFill>
                     <a:schemeClr val="bg1"/>
                   </a:solidFill>
+                  <a:latin typeface="Georgia" panose="02040502050405020303" pitchFamily="18" charset="0"/>
                 </a:rPr>
                 <a:t>o llegan a todos los estudiantes</a:t>
               </a:r>
-              <a:endParaRPr lang="es-ES" sz="1500" kern="1200" dirty="0"/>
+              <a:endParaRPr lang="es-ES" sz="2000" kern="1200" dirty="0">
+                <a:latin typeface="Georgia" panose="02040502050405020303" pitchFamily="18" charset="0"/>
+              </a:endParaRPr>
             </a:p>
           </p:txBody>
         </p:sp>
@@ -7900,8 +8209,8 @@
         </p:nvGrpSpPr>
         <p:grpSpPr>
           <a:xfrm>
-            <a:off x="2849880" y="2868044"/>
-            <a:ext cx="3268980" cy="653752"/>
+            <a:off x="1627099" y="2497244"/>
+            <a:ext cx="6560343" cy="1038017"/>
             <a:chOff x="0" y="1251046"/>
             <a:chExt cx="8229600" cy="1261798"/>
           </a:xfrm>
@@ -7929,32 +8238,16 @@
             <a:prstGeom prst="upArrowCallout">
               <a:avLst/>
             </a:prstGeom>
-            <a:grpFill/>
           </p:spPr>
           <p:style>
-            <a:lnRef idx="2">
-              <a:schemeClr val="lt1">
-                <a:hueOff val="0"/>
-                <a:satOff val="0"/>
-                <a:lumOff val="0"/>
-                <a:alphaOff val="0"/>
-              </a:schemeClr>
+            <a:lnRef idx="3">
+              <a:schemeClr val="lt1"/>
             </a:lnRef>
             <a:fillRef idx="1">
-              <a:schemeClr val="accent1">
-                <a:hueOff val="0"/>
-                <a:satOff val="0"/>
-                <a:lumOff val="0"/>
-                <a:alphaOff val="0"/>
-              </a:schemeClr>
+              <a:schemeClr val="accent2"/>
             </a:fillRef>
-            <a:effectRef idx="0">
-              <a:schemeClr val="accent1">
-                <a:hueOff val="0"/>
-                <a:satOff val="0"/>
-                <a:lumOff val="0"/>
-                <a:alphaOff val="0"/>
-              </a:schemeClr>
+            <a:effectRef idx="1">
+              <a:schemeClr val="accent2"/>
             </a:effectRef>
             <a:fontRef idx="minor">
               <a:schemeClr val="lt1"/>
@@ -7974,24 +8267,23 @@
             <p:nvPr/>
           </p:nvSpPr>
           <p:spPr>
-            <a:xfrm rot="21600000">
-              <a:off x="0" y="1251046"/>
+            <a:xfrm>
+              <a:off x="0" y="1251047"/>
               <a:ext cx="8229600" cy="819878"/>
             </a:xfrm>
             <a:prstGeom prst="rect">
               <a:avLst/>
             </a:prstGeom>
-            <a:grpFill/>
           </p:spPr>
           <p:style>
-            <a:lnRef idx="0">
-              <a:scrgbClr r="0" g="0" b="0"/>
+            <a:lnRef idx="3">
+              <a:schemeClr val="lt1"/>
             </a:lnRef>
-            <a:fillRef idx="0">
-              <a:scrgbClr r="0" g="0" b="0"/>
+            <a:fillRef idx="1">
+              <a:schemeClr val="accent2"/>
             </a:fillRef>
-            <a:effectRef idx="0">
-              <a:scrgbClr r="0" g="0" b="0"/>
+            <a:effectRef idx="1">
+              <a:schemeClr val="accent2"/>
             </a:effectRef>
             <a:fontRef idx="minor">
               <a:schemeClr val="lt1"/>
@@ -8015,33 +8307,37 @@
                 </a:spcAft>
               </a:pPr>
               <a:r>
-                <a:rPr lang="es-EC" sz="1500" dirty="0" smtClean="0">
+                <a:rPr lang="es-EC" sz="2000" dirty="0" smtClean="0">
                   <a:solidFill>
                     <a:schemeClr val="bg1"/>
                   </a:solidFill>
+                  <a:latin typeface="Georgia" panose="02040502050405020303" pitchFamily="18" charset="0"/>
                 </a:rPr>
                 <a:t>No </a:t>
               </a:r>
               <a:r>
-                <a:rPr lang="es-EC" sz="1500" dirty="0">
+                <a:rPr lang="es-EC" sz="2000" dirty="0">
                   <a:solidFill>
                     <a:schemeClr val="bg1"/>
                   </a:solidFill>
+                  <a:latin typeface="Georgia" panose="02040502050405020303" pitchFamily="18" charset="0"/>
                 </a:rPr>
                 <a:t>son tan sencillos de encontrarlos en la </a:t>
               </a:r>
               <a:r>
-                <a:rPr lang="es-EC" sz="1500" dirty="0" smtClean="0">
+                <a:rPr lang="es-EC" sz="2000" dirty="0" smtClean="0">
                   <a:solidFill>
                     <a:schemeClr val="bg1"/>
                   </a:solidFill>
+                  <a:latin typeface="Georgia" panose="02040502050405020303" pitchFamily="18" charset="0"/>
                 </a:rPr>
                 <a:t>web</a:t>
               </a:r>
-              <a:endParaRPr lang="es-ES" sz="1500" kern="1200" dirty="0">
+              <a:endParaRPr lang="es-ES" sz="2000" kern="1200" dirty="0">
                 <a:solidFill>
                   <a:schemeClr val="bg1"/>
                 </a:solidFill>
+                <a:latin typeface="Georgia" panose="02040502050405020303" pitchFamily="18" charset="0"/>
               </a:endParaRPr>
             </a:p>
           </p:txBody>
@@ -8061,8 +8357,8 @@
         </p:nvGrpSpPr>
         <p:grpSpPr>
           <a:xfrm>
-            <a:off x="1600430" y="2057400"/>
-            <a:ext cx="5767880" cy="653752"/>
+            <a:off x="1350752" y="1389573"/>
+            <a:ext cx="7325704" cy="1103323"/>
             <a:chOff x="0" y="1554"/>
             <a:chExt cx="8229600" cy="1261798"/>
           </a:xfrm>
@@ -8090,32 +8386,16 @@
             <a:prstGeom prst="upArrowCallout">
               <a:avLst/>
             </a:prstGeom>
-            <a:grpFill/>
           </p:spPr>
           <p:style>
-            <a:lnRef idx="2">
-              <a:schemeClr val="lt1">
-                <a:hueOff val="0"/>
-                <a:satOff val="0"/>
-                <a:lumOff val="0"/>
-                <a:alphaOff val="0"/>
-              </a:schemeClr>
+            <a:lnRef idx="3">
+              <a:schemeClr val="lt1"/>
             </a:lnRef>
             <a:fillRef idx="1">
-              <a:schemeClr val="accent1">
-                <a:hueOff val="0"/>
-                <a:satOff val="0"/>
-                <a:lumOff val="0"/>
-                <a:alphaOff val="0"/>
-              </a:schemeClr>
+              <a:schemeClr val="accent3"/>
             </a:fillRef>
-            <a:effectRef idx="0">
-              <a:schemeClr val="accent1">
-                <a:hueOff val="0"/>
-                <a:satOff val="0"/>
-                <a:lumOff val="0"/>
-                <a:alphaOff val="0"/>
-              </a:schemeClr>
+            <a:effectRef idx="1">
+              <a:schemeClr val="accent3"/>
             </a:effectRef>
             <a:fontRef idx="minor">
               <a:schemeClr val="lt1"/>
@@ -8142,17 +8422,16 @@
             <a:prstGeom prst="rect">
               <a:avLst/>
             </a:prstGeom>
-            <a:grpFill/>
           </p:spPr>
           <p:style>
-            <a:lnRef idx="0">
-              <a:scrgbClr r="0" g="0" b="0"/>
+            <a:lnRef idx="3">
+              <a:schemeClr val="lt1"/>
             </a:lnRef>
-            <a:fillRef idx="0">
-              <a:scrgbClr r="0" g="0" b="0"/>
+            <a:fillRef idx="1">
+              <a:schemeClr val="accent3"/>
             </a:fillRef>
-            <a:effectRef idx="0">
-              <a:scrgbClr r="0" g="0" b="0"/>
+            <a:effectRef idx="1">
+              <a:schemeClr val="accent3"/>
             </a:effectRef>
             <a:fontRef idx="minor">
               <a:schemeClr val="lt1"/>
@@ -8176,33 +8455,37 @@
                 </a:spcAft>
               </a:pPr>
               <a:r>
-                <a:rPr lang="es-EC" sz="1500" dirty="0" smtClean="0">
+                <a:rPr lang="es-EC" sz="2000" dirty="0" smtClean="0">
                   <a:solidFill>
                     <a:schemeClr val="bg1"/>
                   </a:solidFill>
+                  <a:latin typeface="Georgia" panose="02040502050405020303" pitchFamily="18" charset="0"/>
                 </a:rPr>
                 <a:t>No hay </a:t>
               </a:r>
               <a:r>
-                <a:rPr lang="es-EC" sz="1500" dirty="0">
+                <a:rPr lang="es-EC" sz="2000" dirty="0">
                   <a:solidFill>
                     <a:schemeClr val="bg1"/>
                   </a:solidFill>
+                  <a:latin typeface="Georgia" panose="02040502050405020303" pitchFamily="18" charset="0"/>
                 </a:rPr>
                 <a:t>una difusión </a:t>
               </a:r>
               <a:r>
-                <a:rPr lang="es-EC" sz="1500" dirty="0" smtClean="0">
+                <a:rPr lang="es-EC" sz="2000" dirty="0" smtClean="0">
                   <a:solidFill>
                     <a:schemeClr val="bg1"/>
                   </a:solidFill>
+                  <a:latin typeface="Georgia" panose="02040502050405020303" pitchFamily="18" charset="0"/>
                 </a:rPr>
                 <a:t>adecuada</a:t>
               </a:r>
-              <a:endParaRPr lang="es-ES" sz="1500" kern="1200" dirty="0">
+              <a:endParaRPr lang="es-ES" sz="2000" kern="1200" dirty="0">
                 <a:solidFill>
                   <a:schemeClr val="bg1"/>
                 </a:solidFill>
+                <a:latin typeface="Georgia" panose="02040502050405020303" pitchFamily="18" charset="0"/>
               </a:endParaRPr>
             </a:p>
           </p:txBody>
@@ -8274,11 +8557,60 @@
           </a:p>
         </p:txBody>
       </p:sp>
+      <p:pic>
+        <p:nvPicPr>
+          <p:cNvPr id="1028" name="Picture 4" descr="Resultado de imagen para mala comunicacion"/>
+          <p:cNvPicPr>
+            <a:picLocks noChangeAspect="1" noChangeArrowheads="1"/>
+          </p:cNvPicPr>
+          <p:nvPr/>
+        </p:nvPicPr>
+        <p:blipFill rotWithShape="1">
+          <a:blip r:embed="rId3" cstate="print">
+            <a:extLst>
+              <a:ext uri="{28A0092B-C50C-407E-A947-70E740481C1C}">
+                <a14:useLocalDpi xmlns:a14="http://schemas.microsoft.com/office/drawing/2010/main" val="0"/>
+              </a:ext>
+            </a:extLst>
+          </a:blip>
+          <a:srcRect t="15190" b="14680"/>
+          <a:stretch/>
+        </p:blipFill>
+        <p:spPr bwMode="auto">
+          <a:xfrm>
+            <a:off x="2987824" y="5589240"/>
+            <a:ext cx="3838895" cy="1225799"/>
+          </a:xfrm>
+          <a:prstGeom prst="rect">
+            <a:avLst/>
+          </a:prstGeom>
+          <a:noFill/>
+          <a:extLst>
+            <a:ext uri="{909E8E84-426E-40DD-AFC4-6F175D3DCCD1}">
+              <a14:hiddenFill xmlns:a14="http://schemas.microsoft.com/office/drawing/2010/main">
+                <a:solidFill>
+                  <a:srgbClr val="FFFFFF"/>
+                </a:solidFill>
+              </a14:hiddenFill>
+            </a:ext>
+          </a:extLst>
+        </p:spPr>
+      </p:pic>
     </p:spTree>
   </p:cSld>
   <p:clrMapOvr>
     <a:masterClrMapping/>
   </p:clrMapOvr>
+  <p:transition spd="med">
+    <p:split orient="vert"/>
+  </p:transition>
+  <p:timing>
+    <p:tnLst>
+      <p:par>
+        <p:cTn id="1" dur="indefinite" restart="never" nodeType="tmRoot"/>
+      </p:par>
+    </p:tnLst>
+  </p:timing>
 </p:sld>
 </file>
 
@@ -8313,8 +8645,8 @@
         </p:nvGrpSpPr>
         <p:grpSpPr>
           <a:xfrm>
-            <a:off x="2300419" y="2425076"/>
-            <a:ext cx="4085962" cy="571500"/>
+            <a:off x="2136304" y="2016694"/>
+            <a:ext cx="5316016" cy="689090"/>
             <a:chOff x="2636518" y="3171825"/>
             <a:chExt cx="3168969" cy="514350"/>
           </a:xfrm>
@@ -8335,6 +8667,13 @@
           </p:nvPicPr>
           <p:blipFill>
             <a:blip r:embed="rId3">
+              <a:duotone>
+                <a:prstClr val="black"/>
+                <a:schemeClr val="accent3">
+                  <a:tint val="45000"/>
+                  <a:satMod val="400000"/>
+                </a:schemeClr>
+              </a:duotone>
               <a:extLst>
                 <a:ext uri="{96DAC541-7B7A-43D3-8B79-37D633B846F1}">
                   <asvg:svgBlip xmlns:asvg="http://schemas.microsoft.com/office/drawing/2016/SVG/main" xmlns="" r:embed="rId4"/>
@@ -8414,10 +8753,14 @@
           <a:p>
             <a:pPr rtl="0"/>
             <a:r>
-              <a:rPr lang="es-ES" noProof="1" smtClean="0"/>
+              <a:rPr lang="es-ES" noProof="1" smtClean="0">
+                <a:latin typeface="Georgia" panose="02040502050405020303" pitchFamily="18" charset="0"/>
+              </a:rPr>
               <a:t>Propuesta</a:t>
             </a:r>
-            <a:endParaRPr lang="es-ES" noProof="1"/>
+            <a:endParaRPr lang="es-ES" noProof="1">
+              <a:latin typeface="Georgia" panose="02040502050405020303" pitchFamily="18" charset="0"/>
+            </a:endParaRPr>
           </a:p>
         </p:txBody>
       </p:sp>
@@ -8434,7 +8777,7 @@
         <p:spPr>
           <a:xfrm>
             <a:off x="466725" y="1283484"/>
-            <a:ext cx="6696075" cy="628801"/>
+            <a:ext cx="8209731" cy="633348"/>
           </a:xfrm>
         </p:spPr>
         <p:txBody>
@@ -8449,34 +8792,38 @@
               </a:spcBef>
             </a:pPr>
             <a:r>
-              <a:rPr lang="es-EC" sz="1600" noProof="1" smtClean="0"/>
+              <a:rPr lang="es-EC" sz="1600" noProof="1" smtClean="0">
+                <a:latin typeface="Georgia" panose="02040502050405020303" pitchFamily="18" charset="0"/>
+              </a:rPr>
               <a:t>App </a:t>
             </a:r>
             <a:r>
-              <a:rPr lang="es-EC" sz="1600" noProof="1"/>
-              <a:t>móvil para difundir eventos </a:t>
+              <a:rPr lang="es-EC" sz="1600" noProof="1">
+                <a:latin typeface="Georgia" panose="02040502050405020303" pitchFamily="18" charset="0"/>
+              </a:rPr>
+              <a:t>móvil para difundir eventos tipo </a:t>
             </a:r>
             <a:r>
-              <a:rPr lang="es-EC" sz="1600" noProof="1"/>
-              <a:t>tipo </a:t>
-            </a:r>
-            <a:r>
-              <a:rPr lang="es-EC" sz="1600" noProof="1" smtClean="0"/>
+              <a:rPr lang="es-EC" sz="1600" noProof="1" smtClean="0">
+                <a:latin typeface="Georgia" panose="02040502050405020303" pitchFamily="18" charset="0"/>
+              </a:rPr>
               <a:t>challenges y </a:t>
             </a:r>
             <a:r>
-              <a:rPr lang="es-EC" sz="1600" noProof="1"/>
-              <a:t>armar grupos </a:t>
+              <a:rPr lang="es-EC" sz="1600" noProof="1">
+                <a:latin typeface="Georgia" panose="02040502050405020303" pitchFamily="18" charset="0"/>
+              </a:rPr>
+              <a:t>armar grupos con </a:t>
             </a:r>
             <a:r>
-              <a:rPr lang="es-EC" sz="1600" noProof="1"/>
-              <a:t>con </a:t>
-            </a:r>
-            <a:r>
-              <a:rPr lang="es-EC" sz="1600" noProof="1" smtClean="0"/>
+              <a:rPr lang="es-EC" sz="1600" noProof="1" smtClean="0">
+                <a:latin typeface="Georgia" panose="02040502050405020303" pitchFamily="18" charset="0"/>
+              </a:rPr>
               <a:t>interesados.</a:t>
             </a:r>
-            <a:endParaRPr lang="es-ES" sz="1600" noProof="1"/>
+            <a:endParaRPr lang="es-ES" sz="1600" noProof="1">
+              <a:latin typeface="Georgia" panose="02040502050405020303" pitchFamily="18" charset="0"/>
+            </a:endParaRPr>
           </a:p>
         </p:txBody>
       </p:sp>
@@ -8496,224 +8843,8 @@
         </p:nvSpPr>
         <p:spPr>
           <a:xfrm>
-            <a:off x="3628891" y="2435845"/>
-            <a:ext cx="2452690" cy="539877"/>
-          </a:xfrm>
-          <a:prstGeom prst="rect">
-            <a:avLst/>
-          </a:prstGeom>
-        </p:spPr>
-        <p:txBody>
-          <a:bodyPr vert="horz" rtlCol="0" anchor="t">
-            <a:normAutofit/>
-          </a:bodyPr>
-          <a:lstStyle>
-            <a:lvl1pPr marL="448056" indent="-384048" algn="l" rtl="0" eaLnBrk="1" latinLnBrk="0" hangingPunct="1">
-              <a:spcBef>
-                <a:spcPct val="20000"/>
-              </a:spcBef>
-              <a:buClr>
-                <a:schemeClr val="accent1"/>
-              </a:buClr>
-              <a:buSzPct val="80000"/>
-              <a:buFont typeface="Arial" panose="020B0604020202020204" pitchFamily="34" charset="0"/>
-              <a:buChar char="•"/>
-              <a:defRPr sz="2800" kern="1200">
-                <a:solidFill>
-                  <a:schemeClr val="bg2"/>
-                </a:solidFill>
-                <a:latin typeface="+mn-lt"/>
-                <a:ea typeface="+mn-ea"/>
-                <a:cs typeface="+mn-cs"/>
-              </a:defRPr>
-            </a:lvl1pPr>
-            <a:lvl2pPr marL="822960" indent="-285750" algn="l" rtl="0" eaLnBrk="1" latinLnBrk="0" hangingPunct="1">
-              <a:spcBef>
-                <a:spcPct val="20000"/>
-              </a:spcBef>
-              <a:buClr>
-                <a:schemeClr val="accent1"/>
-              </a:buClr>
-              <a:buSzPct val="95000"/>
-              <a:buFont typeface="Arial" panose="020B0604020202020204" pitchFamily="34" charset="0"/>
-              <a:buChar char="•"/>
-              <a:defRPr sz="2400" kern="1200">
-                <a:solidFill>
-                  <a:schemeClr val="bg2"/>
-                </a:solidFill>
-                <a:latin typeface="+mn-lt"/>
-                <a:ea typeface="+mn-ea"/>
-                <a:cs typeface="+mn-cs"/>
-              </a:defRPr>
-            </a:lvl2pPr>
-            <a:lvl3pPr marL="1106424" indent="-228600" algn="l" rtl="0" eaLnBrk="1" latinLnBrk="0" hangingPunct="1">
-              <a:spcBef>
-                <a:spcPct val="20000"/>
-              </a:spcBef>
-              <a:buClr>
-                <a:schemeClr val="accent1"/>
-              </a:buClr>
-              <a:buFont typeface="Arial" panose="020B0604020202020204" pitchFamily="34" charset="0"/>
-              <a:buChar char="•"/>
-              <a:defRPr sz="2000" kern="1200">
-                <a:solidFill>
-                  <a:schemeClr val="bg2"/>
-                </a:solidFill>
-                <a:latin typeface="+mn-lt"/>
-                <a:ea typeface="+mn-ea"/>
-                <a:cs typeface="+mn-cs"/>
-              </a:defRPr>
-            </a:lvl3pPr>
-            <a:lvl4pPr marL="1371600" indent="-210312" algn="l" rtl="0" eaLnBrk="1" latinLnBrk="0" hangingPunct="1">
-              <a:spcBef>
-                <a:spcPct val="20000"/>
-              </a:spcBef>
-              <a:buClr>
-                <a:schemeClr val="accent1"/>
-              </a:buClr>
-              <a:buFont typeface="Arial" panose="020B0604020202020204" pitchFamily="34" charset="0"/>
-              <a:buChar char="•"/>
-              <a:defRPr sz="1800" kern="1200">
-                <a:solidFill>
-                  <a:schemeClr val="bg2"/>
-                </a:solidFill>
-                <a:latin typeface="+mn-lt"/>
-                <a:ea typeface="+mn-ea"/>
-                <a:cs typeface="+mn-cs"/>
-              </a:defRPr>
-            </a:lvl4pPr>
-            <a:lvl5pPr marL="1600200" indent="-210312" algn="l" rtl="0" eaLnBrk="1" latinLnBrk="0" hangingPunct="1">
-              <a:spcBef>
-                <a:spcPct val="20000"/>
-              </a:spcBef>
-              <a:buClr>
-                <a:schemeClr val="accent1"/>
-              </a:buClr>
-              <a:buFont typeface="Arial" panose="020B0604020202020204" pitchFamily="34" charset="0"/>
-              <a:buChar char="•"/>
-              <a:defRPr sz="1800" kern="1200">
-                <a:solidFill>
-                  <a:schemeClr val="bg2"/>
-                </a:solidFill>
-                <a:latin typeface="+mn-lt"/>
-                <a:ea typeface="+mn-ea"/>
-                <a:cs typeface="+mn-cs"/>
-              </a:defRPr>
-            </a:lvl5pPr>
-            <a:lvl6pPr marL="1828800" indent="-210312" algn="l" rtl="0" eaLnBrk="1" latinLnBrk="0" hangingPunct="1">
-              <a:spcBef>
-                <a:spcPct val="20000"/>
-              </a:spcBef>
-              <a:buClr>
-                <a:schemeClr val="accent1">
-                  <a:tint val="75000"/>
-                </a:schemeClr>
-              </a:buClr>
-              <a:buFont typeface="Wingdings 2"/>
-              <a:buChar char=""/>
-              <a:defRPr sz="1800" kern="1200">
-                <a:solidFill>
-                  <a:schemeClr val="tx1"/>
-                </a:solidFill>
-                <a:latin typeface="+mn-lt"/>
-                <a:ea typeface="+mn-ea"/>
-                <a:cs typeface="+mn-cs"/>
-              </a:defRPr>
-            </a:lvl6pPr>
-            <a:lvl7pPr marL="2084832" indent="-210312" algn="l" rtl="0" eaLnBrk="1" latinLnBrk="0" hangingPunct="1">
-              <a:spcBef>
-                <a:spcPct val="20000"/>
-              </a:spcBef>
-              <a:buClr>
-                <a:schemeClr val="accent1">
-                  <a:tint val="75000"/>
-                </a:schemeClr>
-              </a:buClr>
-              <a:buFont typeface="Wingdings 2"/>
-              <a:buChar char=""/>
-              <a:defRPr sz="1600" kern="1200">
-                <a:solidFill>
-                  <a:schemeClr val="tx1"/>
-                </a:solidFill>
-                <a:latin typeface="+mn-lt"/>
-                <a:ea typeface="+mn-ea"/>
-                <a:cs typeface="+mn-cs"/>
-              </a:defRPr>
-            </a:lvl7pPr>
-            <a:lvl8pPr marL="2286000" indent="-182880" algn="l" rtl="0" eaLnBrk="1" latinLnBrk="0" hangingPunct="1">
-              <a:spcBef>
-                <a:spcPct val="20000"/>
-              </a:spcBef>
-              <a:buClr>
-                <a:schemeClr val="accent1">
-                  <a:tint val="75000"/>
-                </a:schemeClr>
-              </a:buClr>
-              <a:buFont typeface="Wingdings 2"/>
-              <a:buChar char=""/>
-              <a:defRPr sz="1600" kern="1200">
-                <a:solidFill>
-                  <a:schemeClr val="tx1"/>
-                </a:solidFill>
-                <a:latin typeface="+mn-lt"/>
-                <a:ea typeface="+mn-ea"/>
-                <a:cs typeface="+mn-cs"/>
-              </a:defRPr>
-            </a:lvl8pPr>
-            <a:lvl9pPr marL="2514600" indent="-182880" algn="l" rtl="0" eaLnBrk="1" latinLnBrk="0" hangingPunct="1">
-              <a:spcBef>
-                <a:spcPct val="20000"/>
-              </a:spcBef>
-              <a:buClr>
-                <a:schemeClr val="accent1">
-                  <a:tint val="75000"/>
-                </a:schemeClr>
-              </a:buClr>
-              <a:buFont typeface="Wingdings 2"/>
-              <a:buChar char=""/>
-              <a:defRPr sz="1600" kern="1200">
-                <a:solidFill>
-                  <a:schemeClr val="tx1"/>
-                </a:solidFill>
-                <a:latin typeface="+mn-lt"/>
-                <a:ea typeface="+mn-ea"/>
-                <a:cs typeface="+mn-cs"/>
-              </a:defRPr>
-            </a:lvl9pPr>
-          </a:lstStyle>
-          <a:p>
-            <a:pPr marL="0" indent="0" rtl="0">
-              <a:spcBef>
-                <a:spcPts val="0"/>
-              </a:spcBef>
-              <a:buNone/>
-            </a:pPr>
-            <a:r>
-              <a:rPr lang="es-ES" sz="1400" b="1" noProof="1" smtClean="0"/>
-              <a:t>Caracteristicas</a:t>
-            </a:r>
-            <a:endParaRPr lang="es-ES" sz="1400" b="1" noProof="1"/>
-          </a:p>
-        </p:txBody>
-      </p:sp>
-      <p:sp>
-        <p:nvSpPr>
-          <p:cNvPr id="13" name="Rectángulo 2">
-            <a:extLst>
-              <a:ext uri="{FF2B5EF4-FFF2-40B4-BE49-F238E27FC236}">
-                <a16:creationId xmlns:a16="http://schemas.microsoft.com/office/drawing/2014/main" xmlns="" id="{C96BEBCF-6B37-4CB0-B101-BE4FC27A8A83}"/>
-              </a:ext>
-            </a:extLst>
-          </p:cNvPr>
-          <p:cNvSpPr txBox="1">
-            <a:spLocks/>
-          </p:cNvSpPr>
-          <p:nvPr/>
-        </p:nvSpPr>
-        <p:spPr>
-          <a:xfrm>
-            <a:off x="2804981" y="3384105"/>
-            <a:ext cx="3276600" cy="2268011"/>
+            <a:off x="3851920" y="2152693"/>
+            <a:ext cx="3463389" cy="417091"/>
           </a:xfrm>
           <a:prstGeom prst="rect">
             <a:avLst/>
@@ -8898,6 +9029,232 @@
             </a:lvl9pPr>
           </a:lstStyle>
           <a:p>
+            <a:pPr marL="0" indent="0" rtl="0">
+              <a:spcBef>
+                <a:spcPts val="0"/>
+              </a:spcBef>
+              <a:buNone/>
+            </a:pPr>
+            <a:r>
+              <a:rPr lang="es-ES" b="1" noProof="1" smtClean="0">
+                <a:solidFill>
+                  <a:schemeClr val="tx1"/>
+                </a:solidFill>
+                <a:latin typeface="Georgia" panose="02040502050405020303" pitchFamily="18" charset="0"/>
+              </a:rPr>
+              <a:t>Características</a:t>
+            </a:r>
+            <a:endParaRPr lang="es-ES" b="1" noProof="1">
+              <a:solidFill>
+                <a:schemeClr val="tx1"/>
+              </a:solidFill>
+              <a:latin typeface="Georgia" panose="02040502050405020303" pitchFamily="18" charset="0"/>
+            </a:endParaRPr>
+          </a:p>
+        </p:txBody>
+      </p:sp>
+      <p:sp>
+        <p:nvSpPr>
+          <p:cNvPr id="13" name="Rectángulo 2">
+            <a:extLst>
+              <a:ext uri="{FF2B5EF4-FFF2-40B4-BE49-F238E27FC236}">
+                <a16:creationId xmlns:a16="http://schemas.microsoft.com/office/drawing/2014/main" xmlns="" id="{C96BEBCF-6B37-4CB0-B101-BE4FC27A8A83}"/>
+              </a:ext>
+            </a:extLst>
+          </p:cNvPr>
+          <p:cNvSpPr txBox="1">
+            <a:spLocks/>
+          </p:cNvSpPr>
+          <p:nvPr/>
+        </p:nvSpPr>
+        <p:spPr>
+          <a:xfrm>
+            <a:off x="2555776" y="2924944"/>
+            <a:ext cx="5079387" cy="2304256"/>
+          </a:xfrm>
+          <a:prstGeom prst="rect">
+            <a:avLst/>
+          </a:prstGeom>
+        </p:spPr>
+        <p:txBody>
+          <a:bodyPr vert="horz" rtlCol="0" anchor="t">
+            <a:noAutofit/>
+          </a:bodyPr>
+          <a:lstStyle>
+            <a:lvl1pPr marL="448056" indent="-384048" algn="l" rtl="0" eaLnBrk="1" latinLnBrk="0" hangingPunct="1">
+              <a:spcBef>
+                <a:spcPct val="20000"/>
+              </a:spcBef>
+              <a:buClr>
+                <a:schemeClr val="accent1"/>
+              </a:buClr>
+              <a:buSzPct val="80000"/>
+              <a:buFont typeface="Arial" panose="020B0604020202020204" pitchFamily="34" charset="0"/>
+              <a:buChar char="•"/>
+              <a:defRPr sz="2800" kern="1200">
+                <a:solidFill>
+                  <a:schemeClr val="bg2"/>
+                </a:solidFill>
+                <a:latin typeface="+mn-lt"/>
+                <a:ea typeface="+mn-ea"/>
+                <a:cs typeface="+mn-cs"/>
+              </a:defRPr>
+            </a:lvl1pPr>
+            <a:lvl2pPr marL="822960" indent="-285750" algn="l" rtl="0" eaLnBrk="1" latinLnBrk="0" hangingPunct="1">
+              <a:spcBef>
+                <a:spcPct val="20000"/>
+              </a:spcBef>
+              <a:buClr>
+                <a:schemeClr val="accent1"/>
+              </a:buClr>
+              <a:buSzPct val="95000"/>
+              <a:buFont typeface="Arial" panose="020B0604020202020204" pitchFamily="34" charset="0"/>
+              <a:buChar char="•"/>
+              <a:defRPr sz="2400" kern="1200">
+                <a:solidFill>
+                  <a:schemeClr val="bg2"/>
+                </a:solidFill>
+                <a:latin typeface="+mn-lt"/>
+                <a:ea typeface="+mn-ea"/>
+                <a:cs typeface="+mn-cs"/>
+              </a:defRPr>
+            </a:lvl2pPr>
+            <a:lvl3pPr marL="1106424" indent="-228600" algn="l" rtl="0" eaLnBrk="1" latinLnBrk="0" hangingPunct="1">
+              <a:spcBef>
+                <a:spcPct val="20000"/>
+              </a:spcBef>
+              <a:buClr>
+                <a:schemeClr val="accent1"/>
+              </a:buClr>
+              <a:buFont typeface="Arial" panose="020B0604020202020204" pitchFamily="34" charset="0"/>
+              <a:buChar char="•"/>
+              <a:defRPr sz="2000" kern="1200">
+                <a:solidFill>
+                  <a:schemeClr val="bg2"/>
+                </a:solidFill>
+                <a:latin typeface="+mn-lt"/>
+                <a:ea typeface="+mn-ea"/>
+                <a:cs typeface="+mn-cs"/>
+              </a:defRPr>
+            </a:lvl3pPr>
+            <a:lvl4pPr marL="1371600" indent="-210312" algn="l" rtl="0" eaLnBrk="1" latinLnBrk="0" hangingPunct="1">
+              <a:spcBef>
+                <a:spcPct val="20000"/>
+              </a:spcBef>
+              <a:buClr>
+                <a:schemeClr val="accent1"/>
+              </a:buClr>
+              <a:buFont typeface="Arial" panose="020B0604020202020204" pitchFamily="34" charset="0"/>
+              <a:buChar char="•"/>
+              <a:defRPr sz="1800" kern="1200">
+                <a:solidFill>
+                  <a:schemeClr val="bg2"/>
+                </a:solidFill>
+                <a:latin typeface="+mn-lt"/>
+                <a:ea typeface="+mn-ea"/>
+                <a:cs typeface="+mn-cs"/>
+              </a:defRPr>
+            </a:lvl4pPr>
+            <a:lvl5pPr marL="1600200" indent="-210312" algn="l" rtl="0" eaLnBrk="1" latinLnBrk="0" hangingPunct="1">
+              <a:spcBef>
+                <a:spcPct val="20000"/>
+              </a:spcBef>
+              <a:buClr>
+                <a:schemeClr val="accent1"/>
+              </a:buClr>
+              <a:buFont typeface="Arial" panose="020B0604020202020204" pitchFamily="34" charset="0"/>
+              <a:buChar char="•"/>
+              <a:defRPr sz="1800" kern="1200">
+                <a:solidFill>
+                  <a:schemeClr val="bg2"/>
+                </a:solidFill>
+                <a:latin typeface="+mn-lt"/>
+                <a:ea typeface="+mn-ea"/>
+                <a:cs typeface="+mn-cs"/>
+              </a:defRPr>
+            </a:lvl5pPr>
+            <a:lvl6pPr marL="1828800" indent="-210312" algn="l" rtl="0" eaLnBrk="1" latinLnBrk="0" hangingPunct="1">
+              <a:spcBef>
+                <a:spcPct val="20000"/>
+              </a:spcBef>
+              <a:buClr>
+                <a:schemeClr val="accent1">
+                  <a:tint val="75000"/>
+                </a:schemeClr>
+              </a:buClr>
+              <a:buFont typeface="Wingdings 2"/>
+              <a:buChar char=""/>
+              <a:defRPr sz="1800" kern="1200">
+                <a:solidFill>
+                  <a:schemeClr val="tx1"/>
+                </a:solidFill>
+                <a:latin typeface="+mn-lt"/>
+                <a:ea typeface="+mn-ea"/>
+                <a:cs typeface="+mn-cs"/>
+              </a:defRPr>
+            </a:lvl6pPr>
+            <a:lvl7pPr marL="2084832" indent="-210312" algn="l" rtl="0" eaLnBrk="1" latinLnBrk="0" hangingPunct="1">
+              <a:spcBef>
+                <a:spcPct val="20000"/>
+              </a:spcBef>
+              <a:buClr>
+                <a:schemeClr val="accent1">
+                  <a:tint val="75000"/>
+                </a:schemeClr>
+              </a:buClr>
+              <a:buFont typeface="Wingdings 2"/>
+              <a:buChar char=""/>
+              <a:defRPr sz="1600" kern="1200">
+                <a:solidFill>
+                  <a:schemeClr val="tx1"/>
+                </a:solidFill>
+                <a:latin typeface="+mn-lt"/>
+                <a:ea typeface="+mn-ea"/>
+                <a:cs typeface="+mn-cs"/>
+              </a:defRPr>
+            </a:lvl7pPr>
+            <a:lvl8pPr marL="2286000" indent="-182880" algn="l" rtl="0" eaLnBrk="1" latinLnBrk="0" hangingPunct="1">
+              <a:spcBef>
+                <a:spcPct val="20000"/>
+              </a:spcBef>
+              <a:buClr>
+                <a:schemeClr val="accent1">
+                  <a:tint val="75000"/>
+                </a:schemeClr>
+              </a:buClr>
+              <a:buFont typeface="Wingdings 2"/>
+              <a:buChar char=""/>
+              <a:defRPr sz="1600" kern="1200">
+                <a:solidFill>
+                  <a:schemeClr val="tx1"/>
+                </a:solidFill>
+                <a:latin typeface="+mn-lt"/>
+                <a:ea typeface="+mn-ea"/>
+                <a:cs typeface="+mn-cs"/>
+              </a:defRPr>
+            </a:lvl8pPr>
+            <a:lvl9pPr marL="2514600" indent="-182880" algn="l" rtl="0" eaLnBrk="1" latinLnBrk="0" hangingPunct="1">
+              <a:spcBef>
+                <a:spcPct val="20000"/>
+              </a:spcBef>
+              <a:buClr>
+                <a:schemeClr val="accent1">
+                  <a:tint val="75000"/>
+                </a:schemeClr>
+              </a:buClr>
+              <a:buFont typeface="Wingdings 2"/>
+              <a:buChar char=""/>
+              <a:defRPr sz="1600" kern="1200">
+                <a:solidFill>
+                  <a:schemeClr val="tx1"/>
+                </a:solidFill>
+                <a:latin typeface="+mn-lt"/>
+                <a:ea typeface="+mn-ea"/>
+                <a:cs typeface="+mn-cs"/>
+              </a:defRPr>
+            </a:lvl9pPr>
+          </a:lstStyle>
+          <a:p>
             <a:pPr marL="285750" indent="-285750">
               <a:spcBef>
                 <a:spcPts val="0"/>
@@ -8907,23 +9264,27 @@
               </a:spcAft>
             </a:pPr>
             <a:r>
-              <a:rPr lang="es-EC" sz="1400" noProof="1"/>
+              <a:rPr lang="es-EC" sz="1800" noProof="1">
+                <a:latin typeface="Georgia" panose="02040502050405020303" pitchFamily="18" charset="0"/>
+              </a:rPr>
               <a:t> </a:t>
             </a:r>
             <a:r>
-              <a:rPr lang="es-EC" sz="1400" noProof="1" smtClean="0"/>
+              <a:rPr lang="es-EC" sz="1800" noProof="1" smtClean="0">
+                <a:latin typeface="Georgia" panose="02040502050405020303" pitchFamily="18" charset="0"/>
+              </a:rPr>
               <a:t>Dar </a:t>
             </a:r>
             <a:r>
-              <a:rPr lang="es-EC" sz="1400" noProof="1"/>
-              <a:t>información a sus usuarios sobre aquellas actividades generadas por los organizadores </a:t>
+              <a:rPr lang="es-EC" sz="1800" noProof="1">
+                <a:latin typeface="Georgia" panose="02040502050405020303" pitchFamily="18" charset="0"/>
+              </a:rPr>
+              <a:t>información a sus usuarios sobre aquellas actividades generadas por los organizadores de </a:t>
             </a:r>
             <a:r>
-              <a:rPr lang="es-EC" sz="1400" noProof="1"/>
-              <a:t>de </a:t>
-            </a:r>
-            <a:r>
-              <a:rPr lang="es-EC" sz="1400" noProof="1" smtClean="0"/>
+              <a:rPr lang="es-EC" sz="1800" noProof="1" smtClean="0">
+                <a:latin typeface="Georgia" panose="02040502050405020303" pitchFamily="18" charset="0"/>
+              </a:rPr>
               <a:t>eventos.</a:t>
             </a:r>
           </a:p>
@@ -8936,7 +9297,9 @@
                 <a:spcPts val="1000"/>
               </a:spcAft>
             </a:pPr>
-            <a:endParaRPr lang="es-EC" sz="1400" noProof="1" smtClean="0"/>
+            <a:endParaRPr lang="es-EC" sz="1800" noProof="1" smtClean="0">
+              <a:latin typeface="Georgia" panose="02040502050405020303" pitchFamily="18" charset="0"/>
+            </a:endParaRPr>
           </a:p>
           <a:p>
             <a:pPr marL="285750" indent="-285750">
@@ -8948,46 +9311,56 @@
               </a:spcAft>
             </a:pPr>
             <a:r>
-              <a:rPr lang="es-EC" sz="1400" noProof="1"/>
+              <a:rPr lang="es-EC" sz="1800" noProof="1">
+                <a:latin typeface="Georgia" panose="02040502050405020303" pitchFamily="18" charset="0"/>
+              </a:rPr>
               <a:t> </a:t>
             </a:r>
             <a:r>
-              <a:rPr lang="es-EC" sz="1400" noProof="1" smtClean="0"/>
+              <a:rPr lang="es-EC" sz="1800" noProof="1" smtClean="0">
+                <a:latin typeface="Georgia" panose="02040502050405020303" pitchFamily="18" charset="0"/>
+              </a:rPr>
               <a:t>Busca </a:t>
             </a:r>
             <a:r>
-              <a:rPr lang="es-EC" sz="1400" noProof="1"/>
-              <a:t>la </a:t>
+              <a:rPr lang="es-EC" sz="1800" noProof="1">
+                <a:latin typeface="Georgia" panose="02040502050405020303" pitchFamily="18" charset="0"/>
+              </a:rPr>
+              <a:t>la integración </a:t>
             </a:r>
             <a:r>
-              <a:rPr lang="es-EC" sz="1400" noProof="1"/>
-              <a:t>integración </a:t>
-            </a:r>
-            <a:r>
-              <a:rPr lang="es-EC" sz="1400" noProof="1" smtClean="0"/>
+              <a:rPr lang="es-EC" sz="1800" noProof="1" smtClean="0">
+                <a:latin typeface="Georgia" panose="02040502050405020303" pitchFamily="18" charset="0"/>
+              </a:rPr>
               <a:t>entre </a:t>
             </a:r>
             <a:r>
-              <a:rPr lang="es-EC" sz="1400" noProof="1"/>
-              <a:t>cada </a:t>
+              <a:rPr lang="es-EC" sz="1800" noProof="1">
+                <a:latin typeface="Georgia" panose="02040502050405020303" pitchFamily="18" charset="0"/>
+              </a:rPr>
+              <a:t>cada uno </a:t>
             </a:r>
             <a:r>
-              <a:rPr lang="es-EC" sz="1400" noProof="1"/>
-              <a:t>uno </a:t>
-            </a:r>
-            <a:r>
-              <a:rPr lang="es-EC" sz="1400" noProof="1" smtClean="0"/>
+              <a:rPr lang="es-EC" sz="1800" noProof="1" smtClean="0">
+                <a:latin typeface="Georgia" panose="02040502050405020303" pitchFamily="18" charset="0"/>
+              </a:rPr>
               <a:t>los aspirantes dependiendo del </a:t>
             </a:r>
             <a:r>
-              <a:rPr lang="es-EC" sz="1400" noProof="1"/>
+              <a:rPr lang="es-EC" sz="1800" noProof="1">
+                <a:latin typeface="Georgia" panose="02040502050405020303" pitchFamily="18" charset="0"/>
+              </a:rPr>
               <a:t>interés </a:t>
             </a:r>
             <a:r>
-              <a:rPr lang="es-EC" sz="1400" noProof="1" smtClean="0"/>
+              <a:rPr lang="es-EC" sz="1800" noProof="1" smtClean="0">
+                <a:latin typeface="Georgia" panose="02040502050405020303" pitchFamily="18" charset="0"/>
+              </a:rPr>
               <a:t>personal.</a:t>
             </a:r>
-            <a:endParaRPr lang="es-ES" sz="1400" noProof="1"/>
+            <a:endParaRPr lang="es-ES" sz="1800" noProof="1">
+              <a:latin typeface="Georgia" panose="02040502050405020303" pitchFamily="18" charset="0"/>
+            </a:endParaRPr>
           </a:p>
         </p:txBody>
       </p:sp>
@@ -9052,11 +9425,237 @@
           </a:p>
         </p:txBody>
       </p:sp>
+      <p:pic>
+        <p:nvPicPr>
+          <p:cNvPr id="11" name="Picture 2" descr="Resultado de imagen para mala comunicacion"/>
+          <p:cNvPicPr>
+            <a:picLocks noChangeAspect="1" noChangeArrowheads="1"/>
+          </p:cNvPicPr>
+          <p:nvPr/>
+        </p:nvPicPr>
+        <p:blipFill>
+          <a:blip r:embed="rId7" cstate="print">
+            <a:extLst>
+              <a:ext uri="{28A0092B-C50C-407E-A947-70E740481C1C}">
+                <a14:useLocalDpi xmlns:a14="http://schemas.microsoft.com/office/drawing/2010/main" val="0"/>
+              </a:ext>
+            </a:extLst>
+          </a:blip>
+          <a:srcRect/>
+          <a:stretch>
+            <a:fillRect/>
+          </a:stretch>
+        </p:blipFill>
+        <p:spPr bwMode="auto">
+          <a:xfrm>
+            <a:off x="675010" y="3429000"/>
+            <a:ext cx="1556641" cy="1232474"/>
+          </a:xfrm>
+          <a:prstGeom prst="rect">
+            <a:avLst/>
+          </a:prstGeom>
+          <a:noFill/>
+          <a:extLst>
+            <a:ext uri="{909E8E84-426E-40DD-AFC4-6F175D3DCCD1}">
+              <a14:hiddenFill xmlns:a14="http://schemas.microsoft.com/office/drawing/2010/main">
+                <a:solidFill>
+                  <a:srgbClr val="FFFFFF"/>
+                </a:solidFill>
+              </a14:hiddenFill>
+            </a:ext>
+          </a:extLst>
+        </p:spPr>
+      </p:pic>
+      <p:pic>
+        <p:nvPicPr>
+          <p:cNvPr id="2050" name="Picture 2" descr="Resultado de imagen para dar informacion"/>
+          <p:cNvPicPr>
+            <a:picLocks noChangeAspect="1" noChangeArrowheads="1"/>
+          </p:cNvPicPr>
+          <p:nvPr/>
+        </p:nvPicPr>
+        <p:blipFill>
+          <a:blip r:embed="rId8" cstate="print">
+            <a:extLst>
+              <a:ext uri="{28A0092B-C50C-407E-A947-70E740481C1C}">
+                <a14:useLocalDpi xmlns:a14="http://schemas.microsoft.com/office/drawing/2010/main" val="0"/>
+              </a:ext>
+            </a:extLst>
+          </a:blip>
+          <a:srcRect/>
+          <a:stretch>
+            <a:fillRect/>
+          </a:stretch>
+        </p:blipFill>
+        <p:spPr bwMode="auto">
+          <a:xfrm>
+            <a:off x="7596336" y="1889717"/>
+            <a:ext cx="1259632" cy="816065"/>
+          </a:xfrm>
+          <a:prstGeom prst="rect">
+            <a:avLst/>
+          </a:prstGeom>
+          <a:noFill/>
+          <a:extLst>
+            <a:ext uri="{909E8E84-426E-40DD-AFC4-6F175D3DCCD1}">
+              <a14:hiddenFill xmlns:a14="http://schemas.microsoft.com/office/drawing/2010/main">
+                <a:solidFill>
+                  <a:srgbClr val="FFFFFF"/>
+                </a:solidFill>
+              </a14:hiddenFill>
+            </a:ext>
+          </a:extLst>
+        </p:spPr>
+      </p:pic>
+      <p:pic>
+        <p:nvPicPr>
+          <p:cNvPr id="2052" name="Picture 4" descr="Imagen relacionada"/>
+          <p:cNvPicPr>
+            <a:picLocks noChangeAspect="1" noChangeArrowheads="1"/>
+          </p:cNvPicPr>
+          <p:nvPr/>
+        </p:nvPicPr>
+        <p:blipFill rotWithShape="1">
+          <a:blip r:embed="rId9">
+            <a:extLst>
+              <a:ext uri="{28A0092B-C50C-407E-A947-70E740481C1C}">
+                <a14:useLocalDpi xmlns:a14="http://schemas.microsoft.com/office/drawing/2010/main" val="0"/>
+              </a:ext>
+            </a:extLst>
+          </a:blip>
+          <a:srcRect t="5234" b="50308"/>
+          <a:stretch/>
+        </p:blipFill>
+        <p:spPr bwMode="auto">
+          <a:xfrm>
+            <a:off x="675010" y="5157192"/>
+            <a:ext cx="8191500" cy="1548780"/>
+          </a:xfrm>
+          <a:prstGeom prst="rect">
+            <a:avLst/>
+          </a:prstGeom>
+          <a:ln>
+            <a:noFill/>
+          </a:ln>
+          <a:effectLst>
+            <a:softEdge rad="112500"/>
+          </a:effectLst>
+          <a:extLst>
+            <a:ext uri="{909E8E84-426E-40DD-AFC4-6F175D3DCCD1}">
+              <a14:hiddenFill xmlns:a14="http://schemas.microsoft.com/office/drawing/2010/main">
+                <a:solidFill>
+                  <a:srgbClr val="FFFFFF"/>
+                </a:solidFill>
+              </a14:hiddenFill>
+            </a:ext>
+          </a:extLst>
+        </p:spPr>
+      </p:pic>
+      <p:sp>
+        <p:nvSpPr>
+          <p:cNvPr id="6" name="5 Señal de prohibido"/>
+          <p:cNvSpPr/>
+          <p:nvPr/>
+        </p:nvSpPr>
+        <p:spPr>
+          <a:xfrm>
+            <a:off x="251520" y="3212976"/>
+            <a:ext cx="2304256" cy="1656184"/>
+          </a:xfrm>
+          <a:prstGeom prst="noSmoking">
+            <a:avLst>
+              <a:gd name="adj" fmla="val 3409"/>
+            </a:avLst>
+          </a:prstGeom>
+        </p:spPr>
+        <p:style>
+          <a:lnRef idx="2">
+            <a:schemeClr val="accent1">
+              <a:shade val="50000"/>
+            </a:schemeClr>
+          </a:lnRef>
+          <a:fillRef idx="1">
+            <a:schemeClr val="accent1"/>
+          </a:fillRef>
+          <a:effectRef idx="0">
+            <a:schemeClr val="accent1"/>
+          </a:effectRef>
+          <a:fontRef idx="minor">
+            <a:schemeClr val="lt1"/>
+          </a:fontRef>
+        </p:style>
+        <p:txBody>
+          <a:bodyPr rtlCol="0" anchor="ctr"/>
+          <a:lstStyle/>
+          <a:p>
+            <a:pPr algn="ctr"/>
+            <a:endParaRPr lang="es-EC">
+              <a:solidFill>
+                <a:schemeClr val="tx1"/>
+              </a:solidFill>
+            </a:endParaRPr>
+          </a:p>
+        </p:txBody>
+      </p:sp>
+      <p:sp>
+        <p:nvSpPr>
+          <p:cNvPr id="7" name="6 Anillo"/>
+          <p:cNvSpPr/>
+          <p:nvPr/>
+        </p:nvSpPr>
+        <p:spPr>
+          <a:xfrm>
+            <a:off x="7380312" y="1708130"/>
+            <a:ext cx="1691680" cy="1179241"/>
+          </a:xfrm>
+          <a:prstGeom prst="donut">
+            <a:avLst>
+              <a:gd name="adj" fmla="val 4460"/>
+            </a:avLst>
+          </a:prstGeom>
+        </p:spPr>
+        <p:style>
+          <a:lnRef idx="1">
+            <a:schemeClr val="accent5"/>
+          </a:lnRef>
+          <a:fillRef idx="2">
+            <a:schemeClr val="accent5"/>
+          </a:fillRef>
+          <a:effectRef idx="1">
+            <a:schemeClr val="accent5"/>
+          </a:effectRef>
+          <a:fontRef idx="minor">
+            <a:schemeClr val="dk1"/>
+          </a:fontRef>
+        </p:style>
+        <p:txBody>
+          <a:bodyPr rtlCol="0" anchor="ctr"/>
+          <a:lstStyle/>
+          <a:p>
+            <a:pPr algn="ctr"/>
+            <a:endParaRPr lang="es-EC">
+              <a:solidFill>
+                <a:schemeClr val="tx1"/>
+              </a:solidFill>
+            </a:endParaRPr>
+          </a:p>
+        </p:txBody>
+      </p:sp>
     </p:spTree>
   </p:cSld>
   <p:clrMapOvr>
     <a:masterClrMapping/>
   </p:clrMapOvr>
+  <p:transition spd="med">
+    <p:pull/>
+  </p:transition>
+  <p:timing>
+    <p:tnLst>
+      <p:par>
+        <p:cTn id="1" dur="indefinite" restart="never" nodeType="tmRoot"/>
+      </p:par>
+    </p:tnLst>
+  </p:timing>
 </p:sld>
 </file>
 
@@ -9089,8 +9688,8 @@
         </p:nvSpPr>
         <p:spPr>
           <a:xfrm>
-            <a:off x="342423" y="381198"/>
-            <a:ext cx="6389817" cy="671538"/>
+            <a:off x="323528" y="404664"/>
+            <a:ext cx="5400600" cy="792088"/>
           </a:xfrm>
         </p:spPr>
         <p:txBody>
@@ -9098,10 +9697,14 @@
           <a:lstStyle/>
           <a:p>
             <a:r>
-              <a:rPr lang="es-ES" b="0" dirty="0"/>
+              <a:rPr lang="es-ES" sz="3200" b="0" dirty="0">
+                <a:latin typeface="Georgia" panose="02040502050405020303" pitchFamily="18" charset="0"/>
+              </a:rPr>
               <a:t>Evaluación de herramientas</a:t>
             </a:r>
-            <a:endParaRPr lang="es-ES" dirty="0"/>
+            <a:endParaRPr lang="es-ES" sz="3200" dirty="0">
+              <a:latin typeface="Georgia" panose="02040502050405020303" pitchFamily="18" charset="0"/>
+            </a:endParaRPr>
           </a:p>
         </p:txBody>
       </p:sp>
@@ -9120,14 +9723,14 @@
           <p:nvPr>
             <p:extLst>
               <p:ext uri="{D42A27DB-BD31-4B8C-83A1-F6EECF244321}">
-                <p14:modId xmlns:p14="http://schemas.microsoft.com/office/powerpoint/2010/main" val="1603894458"/>
+                <p14:modId xmlns:p14="http://schemas.microsoft.com/office/powerpoint/2010/main" val="1062854774"/>
               </p:ext>
             </p:extLst>
           </p:nvPr>
         </p:nvGraphicFramePr>
         <p:xfrm>
           <a:off x="661744" y="1828800"/>
-          <a:ext cx="7726680" cy="3962400"/>
+          <a:ext cx="8158728" cy="4336504"/>
         </p:xfrm>
         <a:graphic>
           <a:graphicData uri="http://schemas.openxmlformats.org/drawingml/2006/diagram">
@@ -9201,6 +9804,16 @@
   <p:clrMapOvr>
     <a:masterClrMapping/>
   </p:clrMapOvr>
+  <p:transition>
+    <p:wheel spokes="1"/>
+  </p:transition>
+  <p:timing>
+    <p:tnLst>
+      <p:par>
+        <p:cTn id="1" dur="indefinite" restart="never" nodeType="tmRoot"/>
+      </p:par>
+    </p:tnLst>
+  </p:timing>
 </p:sld>
 </file>
 
@@ -9233,8 +9846,8 @@
         </p:nvSpPr>
         <p:spPr>
           <a:xfrm>
-            <a:off x="466344" y="384048"/>
-            <a:ext cx="6049872" cy="956720"/>
+            <a:off x="323528" y="404664"/>
+            <a:ext cx="5185776" cy="884712"/>
           </a:xfrm>
         </p:spPr>
         <p:txBody>
@@ -9243,10 +9856,14 @@
           <a:p>
             <a:pPr rtl="0"/>
             <a:r>
-              <a:rPr lang="es-ES" dirty="0" smtClean="0"/>
+              <a:rPr lang="es-ES" sz="3600" dirty="0" smtClean="0">
+                <a:latin typeface="Georgia" panose="02040502050405020303" pitchFamily="18" charset="0"/>
+              </a:rPr>
               <a:t>Diseño del Aplicativo </a:t>
             </a:r>
-            <a:endParaRPr lang="es-ES" dirty="0"/>
+            <a:endParaRPr lang="es-ES" sz="3600" dirty="0">
+              <a:latin typeface="Georgia" panose="02040502050405020303" pitchFamily="18" charset="0"/>
+            </a:endParaRPr>
           </a:p>
         </p:txBody>
       </p:sp>
@@ -9313,13 +9930,11 @@
       </p:sp>
       <p:pic>
         <p:nvPicPr>
-          <p:cNvPr id="1026" name="Picture 2"/>
+          <p:cNvPr id="4098" name="Picture 2"/>
           <p:cNvPicPr>
-            <a:picLocks noGrp="1" noChangeAspect="1" noChangeArrowheads="1"/>
+            <a:picLocks noChangeAspect="1" noChangeArrowheads="1"/>
           </p:cNvPicPr>
-          <p:nvPr>
-            <p:ph idx="1"/>
-          </p:nvPr>
+          <p:nvPr/>
         </p:nvPicPr>
         <p:blipFill rotWithShape="1">
           <a:blip r:embed="rId3">
@@ -9329,13 +9944,13 @@
               </a:ext>
             </a:extLst>
           </a:blip>
-          <a:srcRect l="10333" t="19167" r="12049" b="21944"/>
+          <a:srcRect l="10933" t="25714" r="12151" b="15625"/>
           <a:stretch/>
         </p:blipFill>
         <p:spPr bwMode="auto">
           <a:xfrm>
-            <a:off x="395536" y="1772816"/>
-            <a:ext cx="8208912" cy="3832820"/>
+            <a:off x="579554" y="1844825"/>
+            <a:ext cx="8228735" cy="3528392"/>
           </a:xfrm>
           <a:prstGeom prst="rect">
             <a:avLst/>
@@ -9375,6 +9990,25 @@
   <p:clrMapOvr>
     <a:masterClrMapping/>
   </p:clrMapOvr>
+  <mc:AlternateContent xmlns:mc="http://schemas.openxmlformats.org/markup-compatibility/2006" xmlns:p14="http://schemas.microsoft.com/office/powerpoint/2010/main">
+    <mc:Choice Requires="p14">
+      <p:transition spd="slow" p14:dur="3000">
+        <p14:honeycomb/>
+      </p:transition>
+    </mc:Choice>
+    <mc:Fallback xmlns="">
+      <p:transition spd="slow">
+        <p:fade/>
+      </p:transition>
+    </mc:Fallback>
+  </mc:AlternateContent>
+  <p:timing>
+    <p:tnLst>
+      <p:par>
+        <p:cTn id="1" dur="indefinite" restart="never" nodeType="tmRoot"/>
+      </p:par>
+    </p:tnLst>
+  </p:timing>
 </p:sld>
 </file>
 
@@ -9405,72 +10039,26 @@
             <p:ph type="title"/>
           </p:nvPr>
         </p:nvSpPr>
-        <p:spPr/>
+        <p:spPr>
+          <a:xfrm>
+            <a:off x="323528" y="404664"/>
+            <a:ext cx="5185776" cy="884712"/>
+          </a:xfrm>
+        </p:spPr>
         <p:txBody>
           <a:bodyPr rtlCol="0"/>
           <a:lstStyle/>
           <a:p>
             <a:pPr rtl="0"/>
             <a:r>
-              <a:rPr lang="es-ES" dirty="0" smtClean="0"/>
-              <a:t>Conclusiones</a:t>
+              <a:rPr lang="es-ES" sz="3600" dirty="0" smtClean="0">
+                <a:latin typeface="Georgia" panose="02040502050405020303" pitchFamily="18" charset="0"/>
+              </a:rPr>
+              <a:t>Diseño del Aplicativo </a:t>
             </a:r>
-            <a:endParaRPr lang="es-ES" dirty="0"/>
-          </a:p>
-        </p:txBody>
-      </p:sp>
-      <p:sp>
-        <p:nvSpPr>
-          <p:cNvPr id="8" name="Marcador de contenido 7">
-            <a:extLst>
-              <a:ext uri="{FF2B5EF4-FFF2-40B4-BE49-F238E27FC236}">
-                <a16:creationId xmlns:a16="http://schemas.microsoft.com/office/drawing/2014/main" xmlns="" id="{F9973C09-F636-4499-99F3-ECA4BD64B332}"/>
-              </a:ext>
-            </a:extLst>
-          </p:cNvPr>
-          <p:cNvSpPr>
-            <a:spLocks noGrp="1"/>
-          </p:cNvSpPr>
-          <p:nvPr>
-            <p:ph idx="1"/>
-          </p:nvPr>
-        </p:nvSpPr>
-        <p:spPr/>
-        <p:txBody>
-          <a:bodyPr rtlCol="0">
-            <a:normAutofit/>
-          </a:bodyPr>
-          <a:lstStyle/>
-          <a:p>
-            <a:pPr marL="64008" indent="0" rtl="0">
-              <a:buNone/>
-            </a:pPr>
-            <a:r>
-              <a:rPr lang="es-ES" sz="2400" dirty="0" err="1" smtClean="0"/>
-              <a:t>Go</a:t>
-            </a:r>
-            <a:r>
-              <a:rPr lang="es-ES" sz="2400" dirty="0" smtClean="0"/>
-              <a:t> </a:t>
-            </a:r>
-            <a:r>
-              <a:rPr lang="es-ES" sz="2400" dirty="0" err="1" smtClean="0"/>
-              <a:t>Lang</a:t>
-            </a:r>
-            <a:r>
-              <a:rPr lang="es-ES" sz="2400" dirty="0" smtClean="0"/>
-              <a:t> es un lenguaje de programación optimo al momento de realizar conexiones mediante sockets, dado a que su fácil de escritura permite comprender el manejo de servicios web.</a:t>
-            </a:r>
-          </a:p>
-          <a:p>
-            <a:pPr marL="64008" indent="0" rtl="0">
-              <a:buNone/>
-            </a:pPr>
-            <a:r>
-              <a:rPr lang="es-ES" sz="2400" dirty="0" smtClean="0"/>
-              <a:t>Las herramientas utilizadas en el presente proyecto fueron de gran ayuda ya que son similares a algunos lenguajes ya estudiados anteriormente, por lo que el manejo de su escritura y lectura de código  fue factible.</a:t>
-            </a:r>
-            <a:endParaRPr lang="es-ES" sz="2400" dirty="0"/>
+            <a:endParaRPr lang="es-ES" sz="3600" dirty="0">
+              <a:latin typeface="Georgia" panose="02040502050405020303" pitchFamily="18" charset="0"/>
+            </a:endParaRPr>
           </a:p>
         </p:txBody>
       </p:sp>
@@ -9497,9 +10085,10 @@
           <a:p>
             <a:pPr rtl="0"/>
             <a:r>
-              <a:rPr lang="es-ES" noProof="0" dirty="0"/>
-              <a:t>www.website.com</a:t>
+              <a:rPr lang="es-ES" noProof="0" dirty="0" err="1" smtClean="0"/>
+              <a:t>espol</a:t>
             </a:r>
+            <a:endParaRPr lang="es-ES" noProof="0" dirty="0"/>
           </a:p>
         </p:txBody>
       </p:sp>
@@ -9530,15 +10119,91 @@
               <a:pPr rtl="0"/>
               <a:t>6</a:t>
             </a:fld>
-            <a:endParaRPr lang="es-ES" noProof="0" dirty="0"/>
+            <a:endParaRPr lang="es-ES" noProof="0"/>
           </a:p>
         </p:txBody>
       </p:sp>
+      <p:pic>
+        <p:nvPicPr>
+          <p:cNvPr id="3074" name="Picture 2"/>
+          <p:cNvPicPr>
+            <a:picLocks noChangeAspect="1" noChangeArrowheads="1"/>
+          </p:cNvPicPr>
+          <p:nvPr/>
+        </p:nvPicPr>
+        <p:blipFill rotWithShape="1">
+          <a:blip r:embed="rId3">
+            <a:extLst>
+              <a:ext uri="{28A0092B-C50C-407E-A947-70E740481C1C}">
+                <a14:useLocalDpi xmlns:a14="http://schemas.microsoft.com/office/drawing/2010/main" val="0"/>
+              </a:ext>
+            </a:extLst>
+          </a:blip>
+          <a:srcRect l="10737" t="24821" r="12253" b="17882"/>
+          <a:stretch/>
+        </p:blipFill>
+        <p:spPr bwMode="auto">
+          <a:xfrm>
+            <a:off x="536284" y="1815737"/>
+            <a:ext cx="8160275" cy="3413463"/>
+          </a:xfrm>
+          <a:prstGeom prst="rect">
+            <a:avLst/>
+          </a:prstGeom>
+          <a:noFill/>
+          <a:ln>
+            <a:noFill/>
+          </a:ln>
+          <a:extLst>
+            <a:ext uri="{909E8E84-426E-40DD-AFC4-6F175D3DCCD1}">
+              <a14:hiddenFill xmlns:a14="http://schemas.microsoft.com/office/drawing/2010/main">
+                <a:solidFill>
+                  <a:schemeClr val="accent1"/>
+                </a:solidFill>
+              </a14:hiddenFill>
+            </a:ext>
+            <a:ext uri="{91240B29-F687-4F45-9708-019B960494DF}">
+              <a14:hiddenLine xmlns:a14="http://schemas.microsoft.com/office/drawing/2010/main" w="9525">
+                <a:solidFill>
+                  <a:schemeClr val="tx1"/>
+                </a:solidFill>
+                <a:miter lim="800000"/>
+                <a:headEnd/>
+                <a:tailEnd/>
+              </a14:hiddenLine>
+            </a:ext>
+          </a:extLst>
+        </p:spPr>
+      </p:pic>
     </p:spTree>
+    <p:extLst>
+      <p:ext uri="{BB962C8B-B14F-4D97-AF65-F5344CB8AC3E}">
+        <p14:creationId xmlns:p14="http://schemas.microsoft.com/office/powerpoint/2010/main" val="3880868639"/>
+      </p:ext>
+    </p:extLst>
   </p:cSld>
   <p:clrMapOvr>
     <a:masterClrMapping/>
   </p:clrMapOvr>
+  <mc:AlternateContent xmlns:mc="http://schemas.openxmlformats.org/markup-compatibility/2006" xmlns:p14="http://schemas.microsoft.com/office/powerpoint/2010/main">
+    <mc:Choice Requires="p14">
+      <p:transition spd="med">
+        <p14:switch dir="r"/>
+      </p:transition>
+    </mc:Choice>
+    <mc:Fallback xmlns="">
+      <p:transition spd="med">
+        <p:fade/>
+      </p:transition>
+    </mc:Fallback>
+  </mc:AlternateContent>
+  <p:timing>
+    <p:tnLst>
+      <p:par>
+        <p:cTn id="1" dur="indefinite" restart="never" nodeType="tmRoot"/>
+      </p:par>
+    </p:tnLst>
+  </p:timing>
 </p:sld>
 </file>
 
@@ -9576,10 +10241,14 @@
           <a:p>
             <a:pPr rtl="0"/>
             <a:r>
-              <a:rPr lang="es-ES" dirty="0" smtClean="0"/>
-              <a:t>Recomendaciones</a:t>
+              <a:rPr lang="es-ES" dirty="0" smtClean="0">
+                <a:latin typeface="Georgia" panose="02040502050405020303" pitchFamily="18" charset="0"/>
+              </a:rPr>
+              <a:t>Conclusiones</a:t>
             </a:r>
-            <a:endParaRPr lang="es-ES" dirty="0"/>
+            <a:endParaRPr lang="es-ES" dirty="0">
+              <a:latin typeface="Georgia" panose="02040502050405020303" pitchFamily="18" charset="0"/>
+            </a:endParaRPr>
           </a:p>
         </p:txBody>
       </p:sp>
@@ -9606,32 +10275,49 @@
           </a:bodyPr>
           <a:lstStyle/>
           <a:p>
-            <a:pPr marL="64008" indent="0" rtl="0">
-              <a:buNone/>
-            </a:pPr>
+            <a:pPr algn="just" rtl="0"/>
             <a:r>
-              <a:rPr lang="es-ES" sz="2400" dirty="0" smtClean="0"/>
-              <a:t>Se recomienda trabajar con un gestor de base de datos que sea fácil y compatible con los lenguajes de programación exististe, dado que mediante esto ahorrara tiempo al momento de buscar la manera de conexión entre la base y el servidor.</a:t>
-            </a:r>
-            <a:endParaRPr lang="es-ES" sz="2400" dirty="0"/>
-          </a:p>
-          <a:p>
-            <a:pPr marL="64008" indent="0" rtl="0">
-              <a:buNone/>
-            </a:pPr>
-            <a:r>
-              <a:rPr lang="es-ES" sz="2400" dirty="0" smtClean="0"/>
-              <a:t>Se recomienda simular la aplicación móvil atreves de un teléfono celular, ya que algunas veces el emulador por defecto de Android </a:t>
+              <a:rPr lang="es-ES" sz="2400" dirty="0" err="1" smtClean="0">
+                <a:latin typeface="Georgia" panose="02040502050405020303" pitchFamily="18" charset="0"/>
+              </a:rPr>
+              <a:t>Go</a:t>
             </a:r>
             <a:r>
-              <a:rPr lang="es-ES" sz="2400" dirty="0" err="1" smtClean="0"/>
-              <a:t>Studios</a:t>
+              <a:rPr lang="es-ES" sz="2400" dirty="0" smtClean="0">
+                <a:latin typeface="Georgia" panose="02040502050405020303" pitchFamily="18" charset="0"/>
+              </a:rPr>
+              <a:t> </a:t>
             </a:r>
             <a:r>
-              <a:rPr lang="es-ES" sz="2400" dirty="0" smtClean="0"/>
-              <a:t> es tardía.</a:t>
+              <a:rPr lang="es-ES" sz="2400" dirty="0" err="1" smtClean="0">
+                <a:latin typeface="Georgia" panose="02040502050405020303" pitchFamily="18" charset="0"/>
+              </a:rPr>
+              <a:t>Lang</a:t>
             </a:r>
-            <a:endParaRPr lang="es-ES" sz="2400" dirty="0"/>
+            <a:r>
+              <a:rPr lang="es-ES" sz="2400" dirty="0" smtClean="0">
+                <a:latin typeface="Georgia" panose="02040502050405020303" pitchFamily="18" charset="0"/>
+              </a:rPr>
+              <a:t> es un lenguaje de programación optimo al momento de realizar conexiones mediante sockets, dado a que su fácil de escritura permite comprender el manejo de servicios web.</a:t>
+            </a:r>
+          </a:p>
+          <a:p>
+            <a:pPr algn="just" rtl="0"/>
+            <a:endParaRPr lang="es-ES" sz="2400" dirty="0" smtClean="0">
+              <a:latin typeface="Georgia" panose="02040502050405020303" pitchFamily="18" charset="0"/>
+            </a:endParaRPr>
+          </a:p>
+          <a:p>
+            <a:pPr algn="just" rtl="0"/>
+            <a:r>
+              <a:rPr lang="es-ES" sz="2400" dirty="0" smtClean="0">
+                <a:latin typeface="Georgia" panose="02040502050405020303" pitchFamily="18" charset="0"/>
+              </a:rPr>
+              <a:t>Las herramientas utilizadas en el presente proyecto fueron de gran ayuda ya que son similares a algunos lenguajes ya estudiados anteriormente, por lo que el manejo de su escritura y lectura de código  fue factible.</a:t>
+            </a:r>
+            <a:endParaRPr lang="es-ES" sz="2400" dirty="0">
+              <a:latin typeface="Georgia" panose="02040502050405020303" pitchFamily="18" charset="0"/>
+            </a:endParaRPr>
           </a:p>
         </p:txBody>
       </p:sp>
@@ -9658,7 +10344,7 @@
           <a:p>
             <a:pPr rtl="0"/>
             <a:r>
-              <a:rPr lang="es-ES" noProof="0"/>
+              <a:rPr lang="es-ES" noProof="0" dirty="0"/>
               <a:t>www.website.com</a:t>
             </a:r>
           </a:p>
@@ -9691,6 +10377,203 @@
               <a:pPr rtl="0"/>
               <a:t>7</a:t>
             </a:fld>
+            <a:endParaRPr lang="es-ES" noProof="0" dirty="0"/>
+          </a:p>
+        </p:txBody>
+      </p:sp>
+    </p:spTree>
+  </p:cSld>
+  <p:clrMapOvr>
+    <a:masterClrMapping/>
+  </p:clrMapOvr>
+  <p:transition spd="med">
+    <p:dissolve/>
+  </p:transition>
+  <p:timing>
+    <p:tnLst>
+      <p:par>
+        <p:cTn id="1" dur="indefinite" restart="never" nodeType="tmRoot"/>
+      </p:par>
+    </p:tnLst>
+  </p:timing>
+</p:sld>
+</file>
+
+<file path=ppt/slides/slide8.xml><?xml version="1.0" encoding="utf-8"?>
+<p:sld xmlns:a="http://schemas.openxmlformats.org/drawingml/2006/main" xmlns:r="http://schemas.openxmlformats.org/officeDocument/2006/relationships" xmlns:p="http://schemas.openxmlformats.org/presentationml/2006/main">
+  <p:cSld>
+    <p:spTree>
+      <p:nvGrpSpPr>
+        <p:cNvPr id="1" name=""/>
+        <p:cNvGrpSpPr/>
+        <p:nvPr/>
+      </p:nvGrpSpPr>
+      <p:grpSpPr>
+        <a:xfrm>
+          <a:off x="0" y="0"/>
+          <a:ext cx="0" cy="0"/>
+          <a:chOff x="0" y="0"/>
+          <a:chExt cx="0" cy="0"/>
+        </a:xfrm>
+      </p:grpSpPr>
+      <p:sp>
+        <p:nvSpPr>
+          <p:cNvPr id="2" name="Rectángulo 1"/>
+          <p:cNvSpPr>
+            <a:spLocks noGrp="1"/>
+          </p:cNvSpPr>
+          <p:nvPr>
+            <p:ph type="title"/>
+          </p:nvPr>
+        </p:nvSpPr>
+        <p:spPr>
+          <a:xfrm>
+            <a:off x="395536" y="404664"/>
+            <a:ext cx="5041760" cy="812704"/>
+          </a:xfrm>
+        </p:spPr>
+        <p:txBody>
+          <a:bodyPr rtlCol="0"/>
+          <a:lstStyle/>
+          <a:p>
+            <a:pPr rtl="0"/>
+            <a:r>
+              <a:rPr lang="es-ES" dirty="0" smtClean="0">
+                <a:latin typeface="Georgia" panose="02040502050405020303" pitchFamily="18" charset="0"/>
+              </a:rPr>
+              <a:t>Recomendaciones</a:t>
+            </a:r>
+            <a:endParaRPr lang="es-ES" dirty="0">
+              <a:latin typeface="Georgia" panose="02040502050405020303" pitchFamily="18" charset="0"/>
+            </a:endParaRPr>
+          </a:p>
+        </p:txBody>
+      </p:sp>
+      <p:sp>
+        <p:nvSpPr>
+          <p:cNvPr id="8" name="Marcador de contenido 7">
+            <a:extLst>
+              <a:ext uri="{FF2B5EF4-FFF2-40B4-BE49-F238E27FC236}">
+                <a16:creationId xmlns:a16="http://schemas.microsoft.com/office/drawing/2014/main" xmlns="" id="{F9973C09-F636-4499-99F3-ECA4BD64B332}"/>
+              </a:ext>
+            </a:extLst>
+          </p:cNvPr>
+          <p:cNvSpPr>
+            <a:spLocks noGrp="1"/>
+          </p:cNvSpPr>
+          <p:nvPr>
+            <p:ph idx="1"/>
+          </p:nvPr>
+        </p:nvSpPr>
+        <p:spPr/>
+        <p:txBody>
+          <a:bodyPr rtlCol="0">
+            <a:normAutofit/>
+          </a:bodyPr>
+          <a:lstStyle/>
+          <a:p>
+            <a:pPr algn="just" rtl="0"/>
+            <a:r>
+              <a:rPr lang="es-ES" sz="2400" dirty="0">
+                <a:latin typeface="Georgia" panose="02040502050405020303" pitchFamily="18" charset="0"/>
+              </a:rPr>
+              <a:t>T</a:t>
+            </a:r>
+            <a:r>
+              <a:rPr lang="es-ES" sz="2400" dirty="0" smtClean="0">
+                <a:latin typeface="Georgia" panose="02040502050405020303" pitchFamily="18" charset="0"/>
+              </a:rPr>
+              <a:t>rabajar con un gestor de base de datos que sea fácil y compatible con los lenguajes de programación exististe, dado que mediante esto ahorrara tiempo al momento de buscar la manera de conexión entre la base y el servidor.</a:t>
+            </a:r>
+          </a:p>
+          <a:p>
+            <a:pPr algn="just" rtl="0"/>
+            <a:endParaRPr lang="es-ES" sz="2400" dirty="0">
+              <a:latin typeface="Georgia" panose="02040502050405020303" pitchFamily="18" charset="0"/>
+            </a:endParaRPr>
+          </a:p>
+          <a:p>
+            <a:pPr algn="just" rtl="0"/>
+            <a:r>
+              <a:rPr lang="es-ES" sz="2400" dirty="0" smtClean="0">
+                <a:latin typeface="Georgia" panose="02040502050405020303" pitchFamily="18" charset="0"/>
+              </a:rPr>
+              <a:t>Simular la aplicación móvil atreves de un teléfono celular, ya que algunas veces el emulador por defecto de Android </a:t>
+            </a:r>
+            <a:r>
+              <a:rPr lang="es-ES" sz="2400" dirty="0" err="1" smtClean="0">
+                <a:latin typeface="Georgia" panose="02040502050405020303" pitchFamily="18" charset="0"/>
+              </a:rPr>
+              <a:t>Studios</a:t>
+            </a:r>
+            <a:r>
+              <a:rPr lang="es-ES" sz="2400" dirty="0" smtClean="0">
+                <a:latin typeface="Georgia" panose="02040502050405020303" pitchFamily="18" charset="0"/>
+              </a:rPr>
+              <a:t> es tardía.</a:t>
+            </a:r>
+            <a:endParaRPr lang="es-ES" sz="2400" dirty="0">
+              <a:latin typeface="Georgia" panose="02040502050405020303" pitchFamily="18" charset="0"/>
+            </a:endParaRPr>
+          </a:p>
+        </p:txBody>
+      </p:sp>
+      <p:sp>
+        <p:nvSpPr>
+          <p:cNvPr id="3" name="Marcador de pie de página 2">
+            <a:extLst>
+              <a:ext uri="{FF2B5EF4-FFF2-40B4-BE49-F238E27FC236}">
+                <a16:creationId xmlns:a16="http://schemas.microsoft.com/office/drawing/2014/main" xmlns="" id="{25C209C4-8AC7-462B-A6D9-6E73E533D872}"/>
+              </a:ext>
+            </a:extLst>
+          </p:cNvPr>
+          <p:cNvSpPr>
+            <a:spLocks noGrp="1"/>
+          </p:cNvSpPr>
+          <p:nvPr>
+            <p:ph type="ftr" sz="quarter" idx="11"/>
+          </p:nvPr>
+        </p:nvSpPr>
+        <p:spPr/>
+        <p:txBody>
+          <a:bodyPr/>
+          <a:lstStyle/>
+          <a:p>
+            <a:pPr rtl="0"/>
+            <a:r>
+              <a:rPr lang="es-ES" noProof="0"/>
+              <a:t>www.website.com</a:t>
+            </a:r>
+          </a:p>
+        </p:txBody>
+      </p:sp>
+      <p:sp>
+        <p:nvSpPr>
+          <p:cNvPr id="4" name="Marcador de número de diapositiva 3">
+            <a:extLst>
+              <a:ext uri="{FF2B5EF4-FFF2-40B4-BE49-F238E27FC236}">
+                <a16:creationId xmlns:a16="http://schemas.microsoft.com/office/drawing/2014/main" xmlns="" id="{60C99BAA-8A43-4172-91CC-F7CE2C519A4F}"/>
+              </a:ext>
+            </a:extLst>
+          </p:cNvPr>
+          <p:cNvSpPr>
+            <a:spLocks noGrp="1"/>
+          </p:cNvSpPr>
+          <p:nvPr>
+            <p:ph type="sldNum" sz="quarter" idx="12"/>
+          </p:nvPr>
+        </p:nvSpPr>
+        <p:spPr/>
+        <p:txBody>
+          <a:bodyPr/>
+          <a:lstStyle/>
+          <a:p>
+            <a:pPr rtl="0"/>
+            <a:fld id="{FEA1243F-3000-4347-94A4-FBDEAD3122CB}" type="slidenum">
+              <a:rPr lang="es-ES" noProof="0" smtClean="0"/>
+              <a:pPr rtl="0"/>
+              <a:t>8</a:t>
+            </a:fld>
             <a:endParaRPr lang="es-ES" noProof="0"/>
           </a:p>
         </p:txBody>
@@ -9705,6 +10588,16 @@
   <p:clrMapOvr>
     <a:masterClrMapping/>
   </p:clrMapOvr>
+  <p:transition spd="med">
+    <p:push dir="u"/>
+  </p:transition>
+  <p:timing>
+    <p:tnLst>
+      <p:par>
+        <p:cTn id="1" dur="indefinite" restart="never" nodeType="tmRoot"/>
+      </p:par>
+    </p:tnLst>
+  </p:timing>
 </p:sld>
 </file>
 
